--- a/tech/Collection framework & Stream API.pptx
+++ b/tech/Collection framework & Stream API.pptx
@@ -12,39 +12,41 @@
     <p:sldId id="292" r:id="rId6"/>
     <p:sldId id="289" r:id="rId7"/>
     <p:sldId id="287" r:id="rId8"/>
-    <p:sldId id="293" r:id="rId9"/>
-    <p:sldId id="257" r:id="rId10"/>
-    <p:sldId id="294" r:id="rId11"/>
-    <p:sldId id="295" r:id="rId12"/>
-    <p:sldId id="258" r:id="rId13"/>
-    <p:sldId id="259" r:id="rId14"/>
-    <p:sldId id="260" r:id="rId15"/>
-    <p:sldId id="261" r:id="rId16"/>
-    <p:sldId id="263" r:id="rId17"/>
-    <p:sldId id="264" r:id="rId18"/>
-    <p:sldId id="265" r:id="rId19"/>
-    <p:sldId id="266" r:id="rId20"/>
-    <p:sldId id="262" r:id="rId21"/>
-    <p:sldId id="267" r:id="rId22"/>
-    <p:sldId id="268" r:id="rId23"/>
-    <p:sldId id="269" r:id="rId24"/>
-    <p:sldId id="270" r:id="rId25"/>
-    <p:sldId id="271" r:id="rId26"/>
-    <p:sldId id="272" r:id="rId27"/>
-    <p:sldId id="273" r:id="rId28"/>
-    <p:sldId id="274" r:id="rId29"/>
-    <p:sldId id="275" r:id="rId30"/>
-    <p:sldId id="276" r:id="rId31"/>
-    <p:sldId id="277" r:id="rId32"/>
-    <p:sldId id="278" r:id="rId33"/>
-    <p:sldId id="279" r:id="rId34"/>
-    <p:sldId id="280" r:id="rId35"/>
-    <p:sldId id="281" r:id="rId36"/>
-    <p:sldId id="282" r:id="rId37"/>
-    <p:sldId id="283" r:id="rId38"/>
-    <p:sldId id="284" r:id="rId39"/>
-    <p:sldId id="285" r:id="rId40"/>
-    <p:sldId id="286" r:id="rId41"/>
+    <p:sldId id="296" r:id="rId9"/>
+    <p:sldId id="293" r:id="rId10"/>
+    <p:sldId id="297" r:id="rId11"/>
+    <p:sldId id="257" r:id="rId12"/>
+    <p:sldId id="294" r:id="rId13"/>
+    <p:sldId id="295" r:id="rId14"/>
+    <p:sldId id="258" r:id="rId15"/>
+    <p:sldId id="259" r:id="rId16"/>
+    <p:sldId id="260" r:id="rId17"/>
+    <p:sldId id="261" r:id="rId18"/>
+    <p:sldId id="263" r:id="rId19"/>
+    <p:sldId id="264" r:id="rId20"/>
+    <p:sldId id="265" r:id="rId21"/>
+    <p:sldId id="266" r:id="rId22"/>
+    <p:sldId id="262" r:id="rId23"/>
+    <p:sldId id="267" r:id="rId24"/>
+    <p:sldId id="268" r:id="rId25"/>
+    <p:sldId id="269" r:id="rId26"/>
+    <p:sldId id="270" r:id="rId27"/>
+    <p:sldId id="271" r:id="rId28"/>
+    <p:sldId id="272" r:id="rId29"/>
+    <p:sldId id="273" r:id="rId30"/>
+    <p:sldId id="274" r:id="rId31"/>
+    <p:sldId id="275" r:id="rId32"/>
+    <p:sldId id="276" r:id="rId33"/>
+    <p:sldId id="277" r:id="rId34"/>
+    <p:sldId id="278" r:id="rId35"/>
+    <p:sldId id="279" r:id="rId36"/>
+    <p:sldId id="280" r:id="rId37"/>
+    <p:sldId id="281" r:id="rId38"/>
+    <p:sldId id="282" r:id="rId39"/>
+    <p:sldId id="283" r:id="rId40"/>
+    <p:sldId id="284" r:id="rId41"/>
+    <p:sldId id="285" r:id="rId42"/>
+    <p:sldId id="286" r:id="rId43"/>
   </p:sldIdLst>
   <p:sldSz cx="12192000" cy="6858000"/>
   <p:notesSz cx="6858000" cy="9144000"/>
@@ -143,6 +145,11 @@
       </a:defRPr>
     </a:lvl9pPr>
   </p:defaultTextStyle>
+  <p:extLst>
+    <p:ext uri="{EFAFB233-063F-42B5-8137-9DF3F51BA10A}">
+      <p15:sldGuideLst xmlns:p15="http://schemas.microsoft.com/office/powerpoint/2012/main"/>
+    </p:ext>
+  </p:extLst>
 </p:presentation>
 </file>
 
@@ -293,7 +300,7 @@
           <a:p>
             <a:fld id="{2994D102-D09D-40A8-8962-1FBD91CBA236}" type="datetimeFigureOut">
               <a:rPr lang="en-US" smtClean="0"/>
-              <a:t>2/15/2023</a:t>
+              <a:t>2/14/2025</a:t>
             </a:fld>
             <a:endParaRPr lang="en-US"/>
           </a:p>
@@ -491,7 +498,7 @@
           <a:p>
             <a:fld id="{2994D102-D09D-40A8-8962-1FBD91CBA236}" type="datetimeFigureOut">
               <a:rPr lang="en-US" smtClean="0"/>
-              <a:t>2/15/2023</a:t>
+              <a:t>2/14/2025</a:t>
             </a:fld>
             <a:endParaRPr lang="en-US"/>
           </a:p>
@@ -699,7 +706,7 @@
           <a:p>
             <a:fld id="{2994D102-D09D-40A8-8962-1FBD91CBA236}" type="datetimeFigureOut">
               <a:rPr lang="en-US" smtClean="0"/>
-              <a:t>2/15/2023</a:t>
+              <a:t>2/14/2025</a:t>
             </a:fld>
             <a:endParaRPr lang="en-US"/>
           </a:p>
@@ -897,7 +904,7 @@
           <a:p>
             <a:fld id="{2994D102-D09D-40A8-8962-1FBD91CBA236}" type="datetimeFigureOut">
               <a:rPr lang="en-US" smtClean="0"/>
-              <a:t>2/15/2023</a:t>
+              <a:t>2/14/2025</a:t>
             </a:fld>
             <a:endParaRPr lang="en-US"/>
           </a:p>
@@ -1172,7 +1179,7 @@
           <a:p>
             <a:fld id="{2994D102-D09D-40A8-8962-1FBD91CBA236}" type="datetimeFigureOut">
               <a:rPr lang="en-US" smtClean="0"/>
-              <a:t>2/15/2023</a:t>
+              <a:t>2/14/2025</a:t>
             </a:fld>
             <a:endParaRPr lang="en-US"/>
           </a:p>
@@ -1437,7 +1444,7 @@
           <a:p>
             <a:fld id="{2994D102-D09D-40A8-8962-1FBD91CBA236}" type="datetimeFigureOut">
               <a:rPr lang="en-US" smtClean="0"/>
-              <a:t>2/15/2023</a:t>
+              <a:t>2/14/2025</a:t>
             </a:fld>
             <a:endParaRPr lang="en-US"/>
           </a:p>
@@ -1849,7 +1856,7 @@
           <a:p>
             <a:fld id="{2994D102-D09D-40A8-8962-1FBD91CBA236}" type="datetimeFigureOut">
               <a:rPr lang="en-US" smtClean="0"/>
-              <a:t>2/15/2023</a:t>
+              <a:t>2/14/2025</a:t>
             </a:fld>
             <a:endParaRPr lang="en-US"/>
           </a:p>
@@ -1990,7 +1997,7 @@
           <a:p>
             <a:fld id="{2994D102-D09D-40A8-8962-1FBD91CBA236}" type="datetimeFigureOut">
               <a:rPr lang="en-US" smtClean="0"/>
-              <a:t>2/15/2023</a:t>
+              <a:t>2/14/2025</a:t>
             </a:fld>
             <a:endParaRPr lang="en-US"/>
           </a:p>
@@ -2103,7 +2110,7 @@
           <a:p>
             <a:fld id="{2994D102-D09D-40A8-8962-1FBD91CBA236}" type="datetimeFigureOut">
               <a:rPr lang="en-US" smtClean="0"/>
-              <a:t>2/15/2023</a:t>
+              <a:t>2/14/2025</a:t>
             </a:fld>
             <a:endParaRPr lang="en-US"/>
           </a:p>
@@ -2414,7 +2421,7 @@
           <a:p>
             <a:fld id="{2994D102-D09D-40A8-8962-1FBD91CBA236}" type="datetimeFigureOut">
               <a:rPr lang="en-US" smtClean="0"/>
-              <a:t>2/15/2023</a:t>
+              <a:t>2/14/2025</a:t>
             </a:fld>
             <a:endParaRPr lang="en-US"/>
           </a:p>
@@ -2702,7 +2709,7 @@
           <a:p>
             <a:fld id="{2994D102-D09D-40A8-8962-1FBD91CBA236}" type="datetimeFigureOut">
               <a:rPr lang="en-US" smtClean="0"/>
-              <a:t>2/15/2023</a:t>
+              <a:t>2/14/2025</a:t>
             </a:fld>
             <a:endParaRPr lang="en-US"/>
           </a:p>
@@ -2943,7 +2950,7 @@
           <a:p>
             <a:fld id="{2994D102-D09D-40A8-8962-1FBD91CBA236}" type="datetimeFigureOut">
               <a:rPr lang="en-US" smtClean="0"/>
-              <a:t>2/15/2023</a:t>
+              <a:t>2/14/2025</a:t>
             </a:fld>
             <a:endParaRPr lang="en-US"/>
           </a:p>
@@ -3445,10 +3452,10 @@
       </p:grpSpPr>
       <p:sp>
         <p:nvSpPr>
-          <p:cNvPr id="2" name="Title 1">
-            <a:extLst>
-              <a:ext uri="{FF2B5EF4-FFF2-40B4-BE49-F238E27FC236}">
-                <a16:creationId xmlns:a16="http://schemas.microsoft.com/office/drawing/2014/main" id="{A7B58CB7-DFDA-443B-B169-D0E387CE29FF}"/>
+          <p:cNvPr id="2" name="Заголовок 1">
+            <a:extLst>
+              <a:ext uri="{FF2B5EF4-FFF2-40B4-BE49-F238E27FC236}">
+                <a16:creationId xmlns:a16="http://schemas.microsoft.com/office/drawing/2014/main" id="{04DD1CEC-1936-A875-6031-9C7CDFB0F00B}"/>
               </a:ext>
             </a:extLst>
           </p:cNvPr>
@@ -3459,37 +3466,45 @@
             <p:ph type="title"/>
           </p:nvPr>
         </p:nvSpPr>
+        <p:spPr>
+          <a:xfrm>
+            <a:off x="838200" y="383232"/>
+            <a:ext cx="10515600" cy="1325563"/>
+          </a:xfrm>
+        </p:spPr>
+        <p:txBody>
+          <a:bodyPr/>
+          <a:lstStyle/>
+          <a:p>
+            <a:r>
+              <a:rPr lang="ru-RU" dirty="0"/>
+              <a:t>Ок. А кто и как формирует спецификации?</a:t>
+            </a:r>
+            <a:endParaRPr lang="en-US" dirty="0"/>
+          </a:p>
+        </p:txBody>
+      </p:sp>
+      <p:sp>
+        <p:nvSpPr>
+          <p:cNvPr id="3" name="Объект 2">
+            <a:extLst>
+              <a:ext uri="{FF2B5EF4-FFF2-40B4-BE49-F238E27FC236}">
+                <a16:creationId xmlns:a16="http://schemas.microsoft.com/office/drawing/2014/main" id="{9C89D9A7-80BB-A571-267A-F226CBBFF437}"/>
+              </a:ext>
+            </a:extLst>
+          </p:cNvPr>
+          <p:cNvSpPr>
+            <a:spLocks noGrp="1"/>
+          </p:cNvSpPr>
+          <p:nvPr>
+            <p:ph idx="1"/>
+          </p:nvPr>
+        </p:nvSpPr>
         <p:spPr/>
         <p:txBody>
-          <a:bodyPr/>
-          <a:lstStyle/>
-          <a:p>
-            <a:r>
-              <a:rPr lang="en-US" dirty="0"/>
-              <a:t>Packages</a:t>
-            </a:r>
-          </a:p>
-        </p:txBody>
-      </p:sp>
-      <p:sp>
-        <p:nvSpPr>
-          <p:cNvPr id="3" name="Content Placeholder 2">
-            <a:extLst>
-              <a:ext uri="{FF2B5EF4-FFF2-40B4-BE49-F238E27FC236}">
-                <a16:creationId xmlns:a16="http://schemas.microsoft.com/office/drawing/2014/main" id="{5AF7DA51-DED2-4B53-87C7-35E5629F0A69}"/>
-              </a:ext>
-            </a:extLst>
-          </p:cNvPr>
-          <p:cNvSpPr>
-            <a:spLocks noGrp="1"/>
-          </p:cNvSpPr>
-          <p:nvPr>
-            <p:ph idx="1"/>
-          </p:nvPr>
-        </p:nvSpPr>
-        <p:spPr/>
-        <p:txBody>
-          <a:bodyPr/>
+          <a:bodyPr>
+            <a:normAutofit lnSpcReduction="10000"/>
+          </a:bodyPr>
           <a:lstStyle/>
           <a:p>
             <a:pPr marL="0" indent="0">
@@ -3497,58 +3512,70 @@
             </a:pPr>
             <a:r>
               <a:rPr lang="ru-RU" dirty="0"/>
-              <a:t>Как правило, в Java классы объединяются в пакеты. Пакеты позволяют организовать классы логически в наборы. По умолчанию </a:t>
-            </a:r>
-            <a:r>
-              <a:rPr lang="ru-RU" dirty="0" err="1"/>
-              <a:t>java</a:t>
-            </a:r>
-            <a:r>
-              <a:rPr lang="ru-RU" dirty="0"/>
-              <a:t> уже имеет ряд встроенных пакетов, например, </a:t>
-            </a:r>
-            <a:r>
-              <a:rPr lang="ru-RU" b="1" dirty="0" err="1"/>
-              <a:t>java.lang</a:t>
-            </a:r>
-            <a:r>
-              <a:rPr lang="ru-RU" dirty="0"/>
-              <a:t>, </a:t>
-            </a:r>
-            <a:r>
-              <a:rPr lang="ru-RU" b="1" dirty="0" err="1"/>
-              <a:t>java.util</a:t>
-            </a:r>
-            <a:r>
-              <a:rPr lang="ru-RU" dirty="0"/>
-              <a:t>, </a:t>
-            </a:r>
-            <a:r>
-              <a:rPr lang="ru-RU" b="1" dirty="0"/>
-              <a:t>java.io</a:t>
-            </a:r>
-            <a:r>
-              <a:rPr lang="ru-RU" dirty="0"/>
-              <a:t> и т.д. Кроме того, пакеты могут иметь вложенные пакеты.</a:t>
+              <a:t>Как?</a:t>
+            </a:r>
+          </a:p>
+          <a:p>
+            <a:r>
+              <a:rPr lang="en-US" dirty="0">
+                <a:hlinkClick r:id="rId2"/>
+              </a:rPr>
+              <a:t>https://ru.wikipedia.org/wiki/Java_Community_Process</a:t>
+            </a:r>
+            <a:endParaRPr lang="ru-RU" dirty="0"/>
+          </a:p>
+          <a:p>
+            <a:endParaRPr lang="ru-RU" dirty="0"/>
+          </a:p>
+          <a:p>
+            <a:pPr marL="0" indent="0">
+              <a:buNone/>
+            </a:pPr>
+            <a:r>
+              <a:rPr lang="ru-RU" dirty="0"/>
+              <a:t>Кто?</a:t>
+            </a:r>
+          </a:p>
+          <a:p>
+            <a:r>
+              <a:rPr lang="en-US" dirty="0">
+                <a:hlinkClick r:id="rId3"/>
+              </a:rPr>
+              <a:t>https://jcp.org/ja/participation/committee</a:t>
+            </a:r>
+            <a:endParaRPr lang="ru-RU" dirty="0"/>
+          </a:p>
+          <a:p>
+            <a:pPr marL="0" indent="0">
+              <a:buNone/>
+            </a:pPr>
+            <a:endParaRPr lang="ru-RU" dirty="0"/>
+          </a:p>
+          <a:p>
+            <a:pPr marL="0" indent="0">
+              <a:buNone/>
+            </a:pPr>
+            <a:r>
+              <a:rPr lang="ru-RU" dirty="0"/>
+              <a:t>Процесс в деталях:</a:t>
             </a:r>
             <a:endParaRPr lang="en-US" dirty="0"/>
           </a:p>
           <a:p>
-            <a:pPr marL="0" indent="0">
-              <a:buNone/>
-            </a:pPr>
-            <a:r>
-              <a:rPr lang="ru-RU" dirty="0"/>
-              <a:t>Организация классов в виде пакетов позволяет избежать конфликта имен между классами. Ведь нередки ситуации, когда разработчики называют свои классы одинаковыми именами. Принадлежность к пакету позволяет гарантировать однозначность имен.</a:t>
-            </a:r>
-            <a:endParaRPr lang="en-US" dirty="0"/>
+            <a:r>
+              <a:rPr lang="en-US" dirty="0">
+                <a:hlinkClick r:id="rId4"/>
+              </a:rPr>
+              <a:t>https://www.jcp.org/aboutJava/communityprocess/ec-public/materials/2023-06-13/Contributing-to-OpenJDK-2023-06.pdf</a:t>
+            </a:r>
+            <a:endParaRPr lang="ru-RU" dirty="0"/>
           </a:p>
         </p:txBody>
       </p:sp>
     </p:spTree>
     <p:extLst>
       <p:ext uri="{BB962C8B-B14F-4D97-AF65-F5344CB8AC3E}">
-        <p14:creationId xmlns:p14="http://schemas.microsoft.com/office/powerpoint/2010/main" val="2805461109"/>
+        <p14:creationId xmlns:p14="http://schemas.microsoft.com/office/powerpoint/2010/main" val="3607011199"/>
       </p:ext>
     </p:extLst>
   </p:cSld>
@@ -3575,102 +3602,40 @@
           <a:chExt cx="0" cy="0"/>
         </a:xfrm>
       </p:grpSpPr>
-      <p:sp>
-        <p:nvSpPr>
-          <p:cNvPr id="2" name="Title 1">
-            <a:extLst>
-              <a:ext uri="{FF2B5EF4-FFF2-40B4-BE49-F238E27FC236}">
-                <a16:creationId xmlns:a16="http://schemas.microsoft.com/office/drawing/2014/main" id="{5143D824-F005-4E31-BE6A-0C00F928A636}"/>
-              </a:ext>
-            </a:extLst>
-          </p:cNvPr>
-          <p:cNvSpPr>
-            <a:spLocks noGrp="1"/>
-          </p:cNvSpPr>
-          <p:nvPr>
-            <p:ph type="title"/>
-          </p:nvPr>
-        </p:nvSpPr>
-        <p:spPr/>
-        <p:txBody>
-          <a:bodyPr/>
-          <a:lstStyle/>
-          <a:p>
-            <a:r>
-              <a:rPr lang="en-US" dirty="0"/>
-              <a:t>Packages</a:t>
-            </a:r>
-          </a:p>
-        </p:txBody>
-      </p:sp>
-      <p:sp>
-        <p:nvSpPr>
-          <p:cNvPr id="3" name="Content Placeholder 2">
-            <a:extLst>
-              <a:ext uri="{FF2B5EF4-FFF2-40B4-BE49-F238E27FC236}">
-                <a16:creationId xmlns:a16="http://schemas.microsoft.com/office/drawing/2014/main" id="{816A5060-B9A4-432D-BCD5-CFCDE8EC2404}"/>
-              </a:ext>
-            </a:extLst>
-          </p:cNvPr>
-          <p:cNvSpPr>
-            <a:spLocks noGrp="1"/>
-          </p:cNvSpPr>
-          <p:nvPr>
-            <p:ph idx="1"/>
-          </p:nvPr>
-        </p:nvSpPr>
-        <p:spPr/>
-        <p:txBody>
-          <a:bodyPr/>
-          <a:lstStyle/>
-          <a:p>
-            <a:pPr marL="0" indent="0">
-              <a:buNone/>
-            </a:pPr>
-            <a:r>
-              <a:rPr lang="ru-RU" dirty="0"/>
-              <a:t>Классы необязательно определять в пакеты. Если для класса пакет не определен, то считается, что данный класс находится в пакете по умолчанию, который не имеет имени.</a:t>
-            </a:r>
-            <a:endParaRPr lang="en-US" dirty="0"/>
-          </a:p>
-          <a:p>
-            <a:pPr marL="0" indent="0">
-              <a:buNone/>
-            </a:pPr>
-            <a:endParaRPr lang="en-US" dirty="0"/>
-          </a:p>
-          <a:p>
-            <a:pPr marL="0" indent="0">
-              <a:buNone/>
-            </a:pPr>
-            <a:r>
-              <a:rPr lang="ru-RU" dirty="0"/>
-              <a:t>Если нам надо использовать классы из других пакетов, то нам надо подключить эти пакеты и классы. Исключение составляют классы из пакета </a:t>
-            </a:r>
-            <a:r>
-              <a:rPr lang="ru-RU" b="1" dirty="0" err="1"/>
-              <a:t>java.lang</a:t>
-            </a:r>
-            <a:r>
-              <a:rPr lang="ru-RU" dirty="0"/>
-              <a:t> (например, </a:t>
-            </a:r>
-            <a:r>
-              <a:rPr lang="ru-RU" dirty="0" err="1"/>
-              <a:t>String</a:t>
-            </a:r>
-            <a:r>
-              <a:rPr lang="ru-RU" dirty="0"/>
-              <a:t>), которые подключаются в программу автоматически.</a:t>
-            </a:r>
-            <a:endParaRPr lang="en-US" dirty="0"/>
-          </a:p>
-        </p:txBody>
-      </p:sp>
+      <p:pic>
+        <p:nvPicPr>
+          <p:cNvPr id="5" name="Picture 4">
+            <a:extLst>
+              <a:ext uri="{FF2B5EF4-FFF2-40B4-BE49-F238E27FC236}">
+                <a16:creationId xmlns:a16="http://schemas.microsoft.com/office/drawing/2014/main" id="{73FF55C7-2F5B-4472-86FC-E1D926B79680}"/>
+              </a:ext>
+            </a:extLst>
+          </p:cNvPr>
+          <p:cNvPicPr>
+            <a:picLocks noChangeAspect="1"/>
+          </p:cNvPicPr>
+          <p:nvPr/>
+        </p:nvPicPr>
+        <p:blipFill>
+          <a:blip r:embed="rId2"/>
+          <a:stretch>
+            <a:fillRect/>
+          </a:stretch>
+        </p:blipFill>
+        <p:spPr>
+          <a:xfrm>
+            <a:off x="1156447" y="0"/>
+            <a:ext cx="9879106" cy="6858000"/>
+          </a:xfrm>
+          <a:prstGeom prst="rect">
+            <a:avLst/>
+          </a:prstGeom>
+        </p:spPr>
+      </p:pic>
     </p:spTree>
     <p:extLst>
       <p:ext uri="{BB962C8B-B14F-4D97-AF65-F5344CB8AC3E}">
-        <p14:creationId xmlns:p14="http://schemas.microsoft.com/office/powerpoint/2010/main" val="649800108"/>
+        <p14:creationId xmlns:p14="http://schemas.microsoft.com/office/powerpoint/2010/main" val="411759202"/>
       </p:ext>
     </p:extLst>
   </p:cSld>
@@ -3702,7 +3667,7 @@
           <p:cNvPr id="2" name="Title 1">
             <a:extLst>
               <a:ext uri="{FF2B5EF4-FFF2-40B4-BE49-F238E27FC236}">
-                <a16:creationId xmlns:a16="http://schemas.microsoft.com/office/drawing/2014/main" id="{154579E9-6498-456C-9833-E03CB9602101}"/>
+                <a16:creationId xmlns:a16="http://schemas.microsoft.com/office/drawing/2014/main" id="{A7B58CB7-DFDA-443B-B169-D0E387CE29FF}"/>
               </a:ext>
             </a:extLst>
           </p:cNvPr>
@@ -3720,7 +3685,7 @@
           <a:p>
             <a:r>
               <a:rPr lang="en-US" dirty="0"/>
-              <a:t>Java Collection Framework</a:t>
+              <a:t>Packages</a:t>
             </a:r>
           </a:p>
         </p:txBody>
@@ -3730,7 +3695,7 @@
           <p:cNvPr id="3" name="Content Placeholder 2">
             <a:extLst>
               <a:ext uri="{FF2B5EF4-FFF2-40B4-BE49-F238E27FC236}">
-                <a16:creationId xmlns:a16="http://schemas.microsoft.com/office/drawing/2014/main" id="{46FB1D30-1A07-403E-ABD5-D1EA9285F78E}"/>
+                <a16:creationId xmlns:a16="http://schemas.microsoft.com/office/drawing/2014/main" id="{5AF7DA51-DED2-4B53-87C7-35E5629F0A69}"/>
               </a:ext>
             </a:extLst>
           </p:cNvPr>
@@ -3746,37 +3711,55 @@
           <a:bodyPr/>
           <a:lstStyle/>
           <a:p>
-            <a:r>
-              <a:rPr lang="ru-RU" dirty="0"/>
-              <a:t>Collection Framework — иерархия интерфейсов и их реализаций, которая является частью JDK и позволяет разработчику пользоваться большим количеством структур данных с которыми вы привыкли работать сразу из «коробки».</a:t>
+            <a:pPr marL="0" indent="0">
+              <a:buNone/>
+            </a:pPr>
+            <a:r>
+              <a:rPr lang="ru-RU" dirty="0"/>
+              <a:t>Как правило, в Java классы объединяются в пакеты. Пакеты позволяют организовать классы логически в наборы. По умолчанию </a:t>
+            </a:r>
+            <a:r>
+              <a:rPr lang="ru-RU" dirty="0" err="1"/>
+              <a:t>java</a:t>
+            </a:r>
+            <a:r>
+              <a:rPr lang="ru-RU" dirty="0"/>
+              <a:t> уже имеет ряд встроенных пакетов, например, </a:t>
+            </a:r>
+            <a:r>
+              <a:rPr lang="ru-RU" b="1" dirty="0" err="1"/>
+              <a:t>java.lang</a:t>
+            </a:r>
+            <a:r>
+              <a:rPr lang="ru-RU" dirty="0"/>
+              <a:t>, </a:t>
+            </a:r>
+            <a:r>
+              <a:rPr lang="ru-RU" b="1" dirty="0" err="1"/>
+              <a:t>java.util</a:t>
+            </a:r>
+            <a:r>
+              <a:rPr lang="ru-RU" dirty="0"/>
+              <a:t>, </a:t>
+            </a:r>
+            <a:r>
+              <a:rPr lang="ru-RU" b="1" dirty="0"/>
+              <a:t>java.io</a:t>
+            </a:r>
+            <a:r>
+              <a:rPr lang="ru-RU" dirty="0"/>
+              <a:t> и т.д. Кроме того, пакеты могут иметь вложенные пакеты.</a:t>
             </a:r>
             <a:endParaRPr lang="en-US" dirty="0"/>
           </a:p>
           <a:p>
-            <a:r>
-              <a:rPr lang="ru-RU" dirty="0"/>
-              <a:t>Соответственно, для описание такого общего поведения для всех коллекций написали разработчики Java интерфейс </a:t>
-            </a:r>
-            <a:r>
-              <a:rPr lang="ru-RU" b="1" dirty="0" err="1"/>
-              <a:t>java.util.Collection</a:t>
-            </a:r>
-            <a:r>
-              <a:rPr lang="ru-RU" dirty="0"/>
-              <a:t> </a:t>
-            </a:r>
-            <a:endParaRPr lang="en-US" dirty="0"/>
-          </a:p>
-          <a:p>
-            <a:r>
-              <a:rPr lang="ru-RU" dirty="0">
-                <a:hlinkClick r:id="rId2"/>
-              </a:rPr>
-              <a:t>https://docs.oracle.com/javase/8/docs/api/java/util/Collection.html</a:t>
-            </a:r>
-            <a:endParaRPr lang="en-US" dirty="0"/>
-          </a:p>
-          <a:p>
+            <a:pPr marL="0" indent="0">
+              <a:buNone/>
+            </a:pPr>
+            <a:r>
+              <a:rPr lang="ru-RU" dirty="0"/>
+              <a:t>Организация классов в виде пакетов позволяет избежать конфликта имен между классами. Ведь нередки ситуации, когда разработчики называют свои классы одинаковыми именами. Принадлежность к пакету позволяет гарантировать однозначность имен.</a:t>
+            </a:r>
             <a:endParaRPr lang="en-US" dirty="0"/>
           </a:p>
         </p:txBody>
@@ -3784,7 +3767,7 @@
     </p:spTree>
     <p:extLst>
       <p:ext uri="{BB962C8B-B14F-4D97-AF65-F5344CB8AC3E}">
-        <p14:creationId xmlns:p14="http://schemas.microsoft.com/office/powerpoint/2010/main" val="256815751"/>
+        <p14:creationId xmlns:p14="http://schemas.microsoft.com/office/powerpoint/2010/main" val="2805461109"/>
       </p:ext>
     </p:extLst>
   </p:cSld>
@@ -3816,7 +3799,7 @@
           <p:cNvPr id="2" name="Title 1">
             <a:extLst>
               <a:ext uri="{FF2B5EF4-FFF2-40B4-BE49-F238E27FC236}">
-                <a16:creationId xmlns:a16="http://schemas.microsoft.com/office/drawing/2014/main" id="{81C26174-1190-4B65-9F17-84E8F5A47A46}"/>
+                <a16:creationId xmlns:a16="http://schemas.microsoft.com/office/drawing/2014/main" id="{5143D824-F005-4E31-BE6A-0C00F928A636}"/>
               </a:ext>
             </a:extLst>
           </p:cNvPr>
@@ -3834,7 +3817,7 @@
           <a:p>
             <a:r>
               <a:rPr lang="en-US" dirty="0"/>
-              <a:t>Java Collection Framework</a:t>
+              <a:t>Packages</a:t>
             </a:r>
           </a:p>
         </p:txBody>
@@ -3844,7 +3827,7 @@
           <p:cNvPr id="3" name="Content Placeholder 2">
             <a:extLst>
               <a:ext uri="{FF2B5EF4-FFF2-40B4-BE49-F238E27FC236}">
-                <a16:creationId xmlns:a16="http://schemas.microsoft.com/office/drawing/2014/main" id="{64C32AB7-8324-454E-9A13-88D79F97763E}"/>
+                <a16:creationId xmlns:a16="http://schemas.microsoft.com/office/drawing/2014/main" id="{816A5060-B9A4-432D-BCD5-CFCDE8EC2404}"/>
               </a:ext>
             </a:extLst>
           </p:cNvPr>
@@ -3860,71 +3843,53 @@
           <a:bodyPr/>
           <a:lstStyle/>
           <a:p>
-            <a:r>
-              <a:rPr lang="ru-RU" dirty="0"/>
-              <a:t>Интерфейс </a:t>
-            </a:r>
-            <a:r>
-              <a:rPr lang="ru-RU" b="1" dirty="0"/>
-              <a:t>Collection</a:t>
-            </a:r>
-            <a:r>
-              <a:rPr lang="ru-RU" dirty="0"/>
-              <a:t> — это то место, откуда берут начало все коллекции. </a:t>
-            </a:r>
-            <a:r>
-              <a:rPr lang="ru-RU" b="1" dirty="0"/>
-              <a:t>Collection</a:t>
-            </a:r>
-            <a:r>
-              <a:rPr lang="ru-RU" dirty="0"/>
-              <a:t> — это идея, это представление о том, как должны себя вести все коллекции. Поэтому, термин "Коллекция" выражена в виде интерфейса. Естественно, интерфейсу нужны реализации.</a:t>
-            </a:r>
-          </a:p>
-          <a:p>
-            <a:r>
-              <a:rPr lang="ru-RU" dirty="0"/>
-              <a:t>Интерфейс </a:t>
+            <a:pPr marL="0" indent="0">
+              <a:buNone/>
+            </a:pPr>
+            <a:r>
+              <a:rPr lang="ru-RU" dirty="0"/>
+              <a:t>Классы необязательно определять в пакеты. Если для класса пакет не определен, то считается, что данный класс находится в пакете по умолчанию, который не имеет имени.</a:t>
+            </a:r>
+            <a:endParaRPr lang="en-US" dirty="0"/>
+          </a:p>
+          <a:p>
+            <a:pPr marL="0" indent="0">
+              <a:buNone/>
+            </a:pPr>
+            <a:endParaRPr lang="en-US" dirty="0"/>
+          </a:p>
+          <a:p>
+            <a:pPr marL="0" indent="0">
+              <a:buNone/>
+            </a:pPr>
+            <a:r>
+              <a:rPr lang="ru-RU" dirty="0"/>
+              <a:t>Если нам надо использовать классы из других пакетов, то нам надо подключить эти пакеты и классы. Исключение составляют классы из пакета </a:t>
             </a:r>
             <a:r>
               <a:rPr lang="ru-RU" b="1" dirty="0" err="1"/>
-              <a:t>java.util.Collection</a:t>
-            </a:r>
-            <a:r>
-              <a:rPr lang="ru-RU" dirty="0"/>
-              <a:t> имеет абстрактный класс </a:t>
-            </a:r>
-            <a:r>
-              <a:rPr lang="ru-RU" b="1" dirty="0" err="1"/>
-              <a:t>AbstractCollection</a:t>
-            </a:r>
-            <a:r>
-              <a:rPr lang="ru-RU" dirty="0"/>
-              <a:t>, то есть некоторая "абстрактная коллекция", которая представляет собой скелет для остальных реализаций (о чём написано в </a:t>
+              <a:t>java.lang</a:t>
+            </a:r>
+            <a:r>
+              <a:rPr lang="ru-RU" dirty="0"/>
+              <a:t> (например, </a:t>
             </a:r>
             <a:r>
               <a:rPr lang="ru-RU" dirty="0" err="1"/>
-              <a:t>JavaDoc</a:t>
-            </a:r>
-            <a:r>
-              <a:rPr lang="ru-RU" dirty="0"/>
-              <a:t> над классом </a:t>
-            </a:r>
-            <a:r>
-              <a:rPr lang="ru-RU" b="1" dirty="0" err="1"/>
-              <a:t>java.util.AbstractCollection</a:t>
-            </a:r>
-            <a:r>
-              <a:rPr lang="ru-RU" dirty="0"/>
-              <a:t>).</a:t>
-            </a:r>
+              <a:t>String</a:t>
+            </a:r>
+            <a:r>
+              <a:rPr lang="ru-RU" dirty="0"/>
+              <a:t>), которые подключаются в программу автоматически.</a:t>
+            </a:r>
+            <a:endParaRPr lang="en-US" dirty="0"/>
           </a:p>
         </p:txBody>
       </p:sp>
     </p:spTree>
     <p:extLst>
       <p:ext uri="{BB962C8B-B14F-4D97-AF65-F5344CB8AC3E}">
-        <p14:creationId xmlns:p14="http://schemas.microsoft.com/office/powerpoint/2010/main" val="4199981109"/>
+        <p14:creationId xmlns:p14="http://schemas.microsoft.com/office/powerpoint/2010/main" val="649800108"/>
       </p:ext>
     </p:extLst>
   </p:cSld>
@@ -3956,6 +3921,274 @@
           <p:cNvPr id="2" name="Title 1">
             <a:extLst>
               <a:ext uri="{FF2B5EF4-FFF2-40B4-BE49-F238E27FC236}">
+                <a16:creationId xmlns:a16="http://schemas.microsoft.com/office/drawing/2014/main" id="{154579E9-6498-456C-9833-E03CB9602101}"/>
+              </a:ext>
+            </a:extLst>
+          </p:cNvPr>
+          <p:cNvSpPr>
+            <a:spLocks noGrp="1"/>
+          </p:cNvSpPr>
+          <p:nvPr>
+            <p:ph type="title"/>
+          </p:nvPr>
+        </p:nvSpPr>
+        <p:spPr/>
+        <p:txBody>
+          <a:bodyPr/>
+          <a:lstStyle/>
+          <a:p>
+            <a:r>
+              <a:rPr lang="en-US" dirty="0"/>
+              <a:t>Java Collection Framework</a:t>
+            </a:r>
+          </a:p>
+        </p:txBody>
+      </p:sp>
+      <p:sp>
+        <p:nvSpPr>
+          <p:cNvPr id="3" name="Content Placeholder 2">
+            <a:extLst>
+              <a:ext uri="{FF2B5EF4-FFF2-40B4-BE49-F238E27FC236}">
+                <a16:creationId xmlns:a16="http://schemas.microsoft.com/office/drawing/2014/main" id="{46FB1D30-1A07-403E-ABD5-D1EA9285F78E}"/>
+              </a:ext>
+            </a:extLst>
+          </p:cNvPr>
+          <p:cNvSpPr>
+            <a:spLocks noGrp="1"/>
+          </p:cNvSpPr>
+          <p:nvPr>
+            <p:ph idx="1"/>
+          </p:nvPr>
+        </p:nvSpPr>
+        <p:spPr/>
+        <p:txBody>
+          <a:bodyPr/>
+          <a:lstStyle/>
+          <a:p>
+            <a:r>
+              <a:rPr lang="ru-RU" dirty="0"/>
+              <a:t>Collection Framework — иерархия интерфейсов и их реализаций, которая является частью JDK и позволяет разработчику пользоваться большим количеством структур данных с которыми вы привыкли работать сразу из «коробки».</a:t>
+            </a:r>
+            <a:endParaRPr lang="en-US" dirty="0"/>
+          </a:p>
+          <a:p>
+            <a:r>
+              <a:rPr lang="ru-RU" dirty="0"/>
+              <a:t>Соответственно, для описание такого общего поведения для всех коллекций написали разработчики Java интерфейс </a:t>
+            </a:r>
+            <a:r>
+              <a:rPr lang="ru-RU" b="1" dirty="0" err="1"/>
+              <a:t>java.util.Collection</a:t>
+            </a:r>
+            <a:r>
+              <a:rPr lang="ru-RU" dirty="0"/>
+              <a:t> </a:t>
+            </a:r>
+            <a:endParaRPr lang="en-US" dirty="0"/>
+          </a:p>
+          <a:p>
+            <a:r>
+              <a:rPr lang="ru-RU" dirty="0">
+                <a:hlinkClick r:id="rId2"/>
+              </a:rPr>
+              <a:t>https://docs.oracle.com/javase/8/docs/api/java/util/Collection.html</a:t>
+            </a:r>
+            <a:endParaRPr lang="en-US" dirty="0"/>
+          </a:p>
+          <a:p>
+            <a:endParaRPr lang="en-US" dirty="0"/>
+          </a:p>
+        </p:txBody>
+      </p:sp>
+    </p:spTree>
+    <p:extLst>
+      <p:ext uri="{BB962C8B-B14F-4D97-AF65-F5344CB8AC3E}">
+        <p14:creationId xmlns:p14="http://schemas.microsoft.com/office/powerpoint/2010/main" val="256815751"/>
+      </p:ext>
+    </p:extLst>
+  </p:cSld>
+  <p:clrMapOvr>
+    <a:masterClrMapping/>
+  </p:clrMapOvr>
+</p:sld>
+</file>
+
+<file path=ppt/slides/slide15.xml><?xml version="1.0" encoding="utf-8"?>
+<p:sld xmlns:a="http://schemas.openxmlformats.org/drawingml/2006/main" xmlns:r="http://schemas.openxmlformats.org/officeDocument/2006/relationships" xmlns:p="http://schemas.openxmlformats.org/presentationml/2006/main">
+  <p:cSld>
+    <p:spTree>
+      <p:nvGrpSpPr>
+        <p:cNvPr id="1" name=""/>
+        <p:cNvGrpSpPr/>
+        <p:nvPr/>
+      </p:nvGrpSpPr>
+      <p:grpSpPr>
+        <a:xfrm>
+          <a:off x="0" y="0"/>
+          <a:ext cx="0" cy="0"/>
+          <a:chOff x="0" y="0"/>
+          <a:chExt cx="0" cy="0"/>
+        </a:xfrm>
+      </p:grpSpPr>
+      <p:sp>
+        <p:nvSpPr>
+          <p:cNvPr id="2" name="Title 1">
+            <a:extLst>
+              <a:ext uri="{FF2B5EF4-FFF2-40B4-BE49-F238E27FC236}">
+                <a16:creationId xmlns:a16="http://schemas.microsoft.com/office/drawing/2014/main" id="{81C26174-1190-4B65-9F17-84E8F5A47A46}"/>
+              </a:ext>
+            </a:extLst>
+          </p:cNvPr>
+          <p:cNvSpPr>
+            <a:spLocks noGrp="1"/>
+          </p:cNvSpPr>
+          <p:nvPr>
+            <p:ph type="title"/>
+          </p:nvPr>
+        </p:nvSpPr>
+        <p:spPr/>
+        <p:txBody>
+          <a:bodyPr/>
+          <a:lstStyle/>
+          <a:p>
+            <a:r>
+              <a:rPr lang="en-US" dirty="0"/>
+              <a:t>Java Collection Framework</a:t>
+            </a:r>
+          </a:p>
+        </p:txBody>
+      </p:sp>
+      <p:sp>
+        <p:nvSpPr>
+          <p:cNvPr id="3" name="Content Placeholder 2">
+            <a:extLst>
+              <a:ext uri="{FF2B5EF4-FFF2-40B4-BE49-F238E27FC236}">
+                <a16:creationId xmlns:a16="http://schemas.microsoft.com/office/drawing/2014/main" id="{64C32AB7-8324-454E-9A13-88D79F97763E}"/>
+              </a:ext>
+            </a:extLst>
+          </p:cNvPr>
+          <p:cNvSpPr>
+            <a:spLocks noGrp="1"/>
+          </p:cNvSpPr>
+          <p:nvPr>
+            <p:ph idx="1"/>
+          </p:nvPr>
+        </p:nvSpPr>
+        <p:spPr/>
+        <p:txBody>
+          <a:bodyPr/>
+          <a:lstStyle/>
+          <a:p>
+            <a:r>
+              <a:rPr lang="ru-RU" dirty="0"/>
+              <a:t>Интерфейс </a:t>
+            </a:r>
+            <a:r>
+              <a:rPr lang="ru-RU" b="1" dirty="0"/>
+              <a:t>Collection</a:t>
+            </a:r>
+            <a:r>
+              <a:rPr lang="ru-RU" dirty="0"/>
+              <a:t> — это то место, откуда берут начало все коллекции. </a:t>
+            </a:r>
+            <a:r>
+              <a:rPr lang="ru-RU" b="1" dirty="0"/>
+              <a:t>Collection</a:t>
+            </a:r>
+            <a:r>
+              <a:rPr lang="ru-RU" dirty="0"/>
+              <a:t> — это идея, это представление о том, как должны себя вести все коллекции. Поэтому, термин "Коллекция" выражена в виде интерфейса. Естественно, интерфейсу нужны реализации.</a:t>
+            </a:r>
+          </a:p>
+          <a:p>
+            <a:r>
+              <a:rPr lang="ru-RU" dirty="0"/>
+              <a:t>Интерфейс </a:t>
+            </a:r>
+            <a:r>
+              <a:rPr lang="ru-RU" b="1" dirty="0" err="1"/>
+              <a:t>java.util.Collection</a:t>
+            </a:r>
+            <a:r>
+              <a:rPr lang="ru-RU" dirty="0"/>
+              <a:t> имеет абстрактный класс </a:t>
+            </a:r>
+            <a:r>
+              <a:rPr lang="ru-RU" b="1" dirty="0" err="1"/>
+              <a:t>AbstractCollection</a:t>
+            </a:r>
+            <a:r>
+              <a:rPr lang="ru-RU" dirty="0"/>
+              <a:t>, то есть некоторая "абстрактная коллекция", которая представляет собой скелет для остальных реализаций (о чём написано </a:t>
+            </a:r>
+            <a:r>
+              <a:rPr lang="ru-RU" dirty="0">
+                <a:hlinkClick r:id="rId2"/>
+              </a:rPr>
+              <a:t>в </a:t>
+            </a:r>
+            <a:r>
+              <a:rPr lang="ru-RU" dirty="0" err="1">
+                <a:hlinkClick r:id="rId2"/>
+              </a:rPr>
+              <a:t>JavaDoc</a:t>
+            </a:r>
+            <a:r>
+              <a:rPr lang="ru-RU" dirty="0">
+                <a:hlinkClick r:id="rId2"/>
+              </a:rPr>
+              <a:t> </a:t>
+            </a:r>
+            <a:r>
+              <a:rPr lang="ru-RU" dirty="0"/>
+              <a:t>над классом </a:t>
+            </a:r>
+            <a:r>
+              <a:rPr lang="ru-RU" b="1" dirty="0" err="1"/>
+              <a:t>java.util.AbstractCollection</a:t>
+            </a:r>
+            <a:r>
+              <a:rPr lang="ru-RU" dirty="0"/>
+              <a:t>).</a:t>
+            </a:r>
+          </a:p>
+        </p:txBody>
+      </p:sp>
+    </p:spTree>
+    <p:extLst>
+      <p:ext uri="{BB962C8B-B14F-4D97-AF65-F5344CB8AC3E}">
+        <p14:creationId xmlns:p14="http://schemas.microsoft.com/office/powerpoint/2010/main" val="4199981109"/>
+      </p:ext>
+    </p:extLst>
+  </p:cSld>
+  <p:clrMapOvr>
+    <a:masterClrMapping/>
+  </p:clrMapOvr>
+</p:sld>
+</file>
+
+<file path=ppt/slides/slide16.xml><?xml version="1.0" encoding="utf-8"?>
+<p:sld xmlns:a="http://schemas.openxmlformats.org/drawingml/2006/main" xmlns:r="http://schemas.openxmlformats.org/officeDocument/2006/relationships" xmlns:p="http://schemas.openxmlformats.org/presentationml/2006/main">
+  <p:cSld>
+    <p:spTree>
+      <p:nvGrpSpPr>
+        <p:cNvPr id="1" name=""/>
+        <p:cNvGrpSpPr/>
+        <p:nvPr/>
+      </p:nvGrpSpPr>
+      <p:grpSpPr>
+        <a:xfrm>
+          <a:off x="0" y="0"/>
+          <a:ext cx="0" cy="0"/>
+          <a:chOff x="0" y="0"/>
+          <a:chExt cx="0" cy="0"/>
+        </a:xfrm>
+      </p:grpSpPr>
+      <p:sp>
+        <p:nvSpPr>
+          <p:cNvPr id="2" name="Title 1">
+            <a:extLst>
+              <a:ext uri="{FF2B5EF4-FFF2-40B4-BE49-F238E27FC236}">
                 <a16:creationId xmlns:a16="http://schemas.microsoft.com/office/drawing/2014/main" id="{F3A97A27-B125-4D11-B8BC-19B39C202B7B}"/>
               </a:ext>
             </a:extLst>
@@ -4122,7 +4355,7 @@
 </p:sld>
 </file>
 
-<file path=ppt/slides/slide15.xml><?xml version="1.0" encoding="utf-8"?>
+<file path=ppt/slides/slide17.xml><?xml version="1.0" encoding="utf-8"?>
 <p:sld xmlns:a="http://schemas.openxmlformats.org/drawingml/2006/main" xmlns:r="http://schemas.openxmlformats.org/officeDocument/2006/relationships" xmlns:p="http://schemas.openxmlformats.org/presentationml/2006/main">
   <p:cSld>
     <p:spTree>
@@ -4180,292 +4413,6 @@
 </p:sld>
 </file>
 
-<file path=ppt/slides/slide16.xml><?xml version="1.0" encoding="utf-8"?>
-<p:sld xmlns:a="http://schemas.openxmlformats.org/drawingml/2006/main" xmlns:r="http://schemas.openxmlformats.org/officeDocument/2006/relationships" xmlns:p="http://schemas.openxmlformats.org/presentationml/2006/main">
-  <p:cSld>
-    <p:spTree>
-      <p:nvGrpSpPr>
-        <p:cNvPr id="1" name=""/>
-        <p:cNvGrpSpPr/>
-        <p:nvPr/>
-      </p:nvGrpSpPr>
-      <p:grpSpPr>
-        <a:xfrm>
-          <a:off x="0" y="0"/>
-          <a:ext cx="0" cy="0"/>
-          <a:chOff x="0" y="0"/>
-          <a:chExt cx="0" cy="0"/>
-        </a:xfrm>
-      </p:grpSpPr>
-      <p:sp>
-        <p:nvSpPr>
-          <p:cNvPr id="2" name="Title 1">
-            <a:extLst>
-              <a:ext uri="{FF2B5EF4-FFF2-40B4-BE49-F238E27FC236}">
-                <a16:creationId xmlns:a16="http://schemas.microsoft.com/office/drawing/2014/main" id="{B550927E-C6C1-4E3B-8B66-3CF9EBD2B20C}"/>
-              </a:ext>
-            </a:extLst>
-          </p:cNvPr>
-          <p:cNvSpPr>
-            <a:spLocks noGrp="1"/>
-          </p:cNvSpPr>
-          <p:nvPr>
-            <p:ph type="title"/>
-          </p:nvPr>
-        </p:nvSpPr>
-        <p:spPr/>
-        <p:txBody>
-          <a:bodyPr/>
-          <a:lstStyle/>
-          <a:p>
-            <a:r>
-              <a:rPr lang="en-US" dirty="0" err="1"/>
-              <a:t>java.util.List</a:t>
-            </a:r>
-            <a:endParaRPr lang="en-US" dirty="0"/>
-          </a:p>
-        </p:txBody>
-      </p:sp>
-      <p:sp>
-        <p:nvSpPr>
-          <p:cNvPr id="3" name="Content Placeholder 2">
-            <a:extLst>
-              <a:ext uri="{FF2B5EF4-FFF2-40B4-BE49-F238E27FC236}">
-                <a16:creationId xmlns:a16="http://schemas.microsoft.com/office/drawing/2014/main" id="{8AB0DEEA-A366-41E5-AFA3-4DE863B0F5E9}"/>
-              </a:ext>
-            </a:extLst>
-          </p:cNvPr>
-          <p:cNvSpPr>
-            <a:spLocks noGrp="1"/>
-          </p:cNvSpPr>
-          <p:nvPr>
-            <p:ph idx="1"/>
-          </p:nvPr>
-        </p:nvSpPr>
-        <p:spPr/>
-        <p:txBody>
-          <a:bodyPr/>
-          <a:lstStyle/>
-          <a:p>
-            <a:pPr marL="0" indent="0">
-              <a:buNone/>
-            </a:pPr>
-            <a:r>
-              <a:rPr lang="ru-RU" dirty="0"/>
-              <a:t>Среди всех реализаций можно выделить две самые часто используемые: </a:t>
-            </a:r>
-            <a:r>
-              <a:rPr lang="ru-RU" dirty="0" err="1"/>
-              <a:t>ArrayList</a:t>
-            </a:r>
-            <a:r>
-              <a:rPr lang="ru-RU" dirty="0"/>
-              <a:t> и </a:t>
-            </a:r>
-            <a:r>
-              <a:rPr lang="ru-RU" dirty="0" err="1"/>
-              <a:t>LinkedList</a:t>
-            </a:r>
-            <a:r>
-              <a:rPr lang="ru-RU" dirty="0"/>
-              <a:t>. Во-первых, </a:t>
-            </a:r>
-            <a:r>
-              <a:rPr lang="ru-RU" dirty="0" err="1"/>
-              <a:t>ArrayList</a:t>
-            </a:r>
-            <a:r>
-              <a:rPr lang="ru-RU" dirty="0"/>
-              <a:t> — это список (List) на основе массива (</a:t>
-            </a:r>
-            <a:r>
-              <a:rPr lang="ru-RU" dirty="0" err="1"/>
-              <a:t>Array</a:t>
-            </a:r>
-            <a:r>
-              <a:rPr lang="ru-RU" dirty="0"/>
-              <a:t>). Это позволяет добиться "Произвольного доступа" (</a:t>
-            </a:r>
-            <a:r>
-              <a:rPr lang="ru-RU" dirty="0" err="1"/>
-              <a:t>Random</a:t>
-            </a:r>
-            <a:r>
-              <a:rPr lang="ru-RU" dirty="0"/>
-              <a:t> Access) к элементам. Произвольный доступ — это возможность сразу достать элемент по индексу, а не перебирать все элементы, пока не найдём элемент с нужным индексом. Именно массив как основа позволяет этого достичь.</a:t>
-            </a:r>
-            <a:endParaRPr lang="en-US" dirty="0"/>
-          </a:p>
-        </p:txBody>
-      </p:sp>
-    </p:spTree>
-    <p:extLst>
-      <p:ext uri="{BB962C8B-B14F-4D97-AF65-F5344CB8AC3E}">
-        <p14:creationId xmlns:p14="http://schemas.microsoft.com/office/powerpoint/2010/main" val="724233912"/>
-      </p:ext>
-    </p:extLst>
-  </p:cSld>
-  <p:clrMapOvr>
-    <a:masterClrMapping/>
-  </p:clrMapOvr>
-</p:sld>
-</file>
-
-<file path=ppt/slides/slide17.xml><?xml version="1.0" encoding="utf-8"?>
-<p:sld xmlns:a="http://schemas.openxmlformats.org/drawingml/2006/main" xmlns:r="http://schemas.openxmlformats.org/officeDocument/2006/relationships" xmlns:p="http://schemas.openxmlformats.org/presentationml/2006/main">
-  <p:cSld>
-    <p:spTree>
-      <p:nvGrpSpPr>
-        <p:cNvPr id="1" name=""/>
-        <p:cNvGrpSpPr/>
-        <p:nvPr/>
-      </p:nvGrpSpPr>
-      <p:grpSpPr>
-        <a:xfrm>
-          <a:off x="0" y="0"/>
-          <a:ext cx="0" cy="0"/>
-          <a:chOff x="0" y="0"/>
-          <a:chExt cx="0" cy="0"/>
-        </a:xfrm>
-      </p:grpSpPr>
-      <p:sp>
-        <p:nvSpPr>
-          <p:cNvPr id="2" name="Title 1">
-            <a:extLst>
-              <a:ext uri="{FF2B5EF4-FFF2-40B4-BE49-F238E27FC236}">
-                <a16:creationId xmlns:a16="http://schemas.microsoft.com/office/drawing/2014/main" id="{B550927E-C6C1-4E3B-8B66-3CF9EBD2B20C}"/>
-              </a:ext>
-            </a:extLst>
-          </p:cNvPr>
-          <p:cNvSpPr>
-            <a:spLocks noGrp="1"/>
-          </p:cNvSpPr>
-          <p:nvPr>
-            <p:ph type="title"/>
-          </p:nvPr>
-        </p:nvSpPr>
-        <p:spPr/>
-        <p:txBody>
-          <a:bodyPr/>
-          <a:lstStyle/>
-          <a:p>
-            <a:r>
-              <a:rPr lang="en-US" dirty="0" err="1"/>
-              <a:t>java.util.List</a:t>
-            </a:r>
-            <a:endParaRPr lang="en-US" dirty="0"/>
-          </a:p>
-        </p:txBody>
-      </p:sp>
-      <p:sp>
-        <p:nvSpPr>
-          <p:cNvPr id="3" name="Content Placeholder 2">
-            <a:extLst>
-              <a:ext uri="{FF2B5EF4-FFF2-40B4-BE49-F238E27FC236}">
-                <a16:creationId xmlns:a16="http://schemas.microsoft.com/office/drawing/2014/main" id="{8AB0DEEA-A366-41E5-AFA3-4DE863B0F5E9}"/>
-              </a:ext>
-            </a:extLst>
-          </p:cNvPr>
-          <p:cNvSpPr>
-            <a:spLocks noGrp="1"/>
-          </p:cNvSpPr>
-          <p:nvPr>
-            <p:ph idx="1"/>
-          </p:nvPr>
-        </p:nvSpPr>
-        <p:spPr/>
-        <p:txBody>
-          <a:bodyPr/>
-          <a:lstStyle/>
-          <a:p>
-            <a:pPr marL="0" indent="0">
-              <a:buNone/>
-            </a:pPr>
-            <a:r>
-              <a:rPr lang="ru-RU" dirty="0"/>
-              <a:t>Напротив, </a:t>
-            </a:r>
-            <a:r>
-              <a:rPr lang="ru-RU" dirty="0" err="1"/>
-              <a:t>LinkedList</a:t>
-            </a:r>
-            <a:r>
-              <a:rPr lang="ru-RU" dirty="0"/>
-              <a:t> — это связанный (</a:t>
-            </a:r>
-            <a:r>
-              <a:rPr lang="ru-RU" dirty="0" err="1"/>
-              <a:t>Linked</a:t>
-            </a:r>
-            <a:r>
-              <a:rPr lang="ru-RU" dirty="0"/>
-              <a:t>) список (List). Каждая запись в связанном списке представлена в виде </a:t>
-            </a:r>
-            <a:r>
-              <a:rPr lang="ru-RU" dirty="0" err="1"/>
-              <a:t>Entry</a:t>
-            </a:r>
-            <a:r>
-              <a:rPr lang="ru-RU" dirty="0"/>
-              <a:t>, которая хранит сами данные, а так же ссылку на следующую (</a:t>
-            </a:r>
-            <a:r>
-              <a:rPr lang="ru-RU" dirty="0" err="1"/>
-              <a:t>next</a:t>
-            </a:r>
-            <a:r>
-              <a:rPr lang="ru-RU" dirty="0"/>
-              <a:t>) и предыдущую (</a:t>
-            </a:r>
-            <a:r>
-              <a:rPr lang="ru-RU" dirty="0" err="1"/>
-              <a:t>previous</a:t>
-            </a:r>
-            <a:r>
-              <a:rPr lang="ru-RU" dirty="0"/>
-              <a:t>) </a:t>
-            </a:r>
-            <a:r>
-              <a:rPr lang="ru-RU" dirty="0" err="1"/>
-              <a:t>Entry</a:t>
-            </a:r>
-            <a:r>
-              <a:rPr lang="ru-RU" dirty="0"/>
-              <a:t>. Таким образом </a:t>
-            </a:r>
-            <a:r>
-              <a:rPr lang="ru-RU" dirty="0" err="1"/>
-              <a:t>LinkedList</a:t>
-            </a:r>
-            <a:r>
-              <a:rPr lang="ru-RU" dirty="0"/>
-              <a:t> реализует "Последовательный доступ" (</a:t>
-            </a:r>
-            <a:r>
-              <a:rPr lang="ru-RU" dirty="0" err="1"/>
-              <a:t>Sequential</a:t>
-            </a:r>
-            <a:r>
-              <a:rPr lang="ru-RU" dirty="0"/>
-              <a:t> Access).</a:t>
-            </a:r>
-            <a:endParaRPr lang="en-US" dirty="0"/>
-          </a:p>
-        </p:txBody>
-      </p:sp>
-    </p:spTree>
-    <p:extLst>
-      <p:ext uri="{BB962C8B-B14F-4D97-AF65-F5344CB8AC3E}">
-        <p14:creationId xmlns:p14="http://schemas.microsoft.com/office/powerpoint/2010/main" val="3720628466"/>
-      </p:ext>
-    </p:extLst>
-  </p:cSld>
-  <p:clrMapOvr>
-    <a:masterClrMapping/>
-  </p:clrMapOvr>
-</p:sld>
-</file>
-
 <file path=ppt/slides/slide18.xml><?xml version="1.0" encoding="utf-8"?>
 <p:sld xmlns:a="http://schemas.openxmlformats.org/drawingml/2006/main" xmlns:r="http://schemas.openxmlformats.org/officeDocument/2006/relationships" xmlns:p="http://schemas.openxmlformats.org/presentationml/2006/main">
   <p:cSld>
@@ -4488,7 +4435,7 @@
           <p:cNvPr id="2" name="Title 1">
             <a:extLst>
               <a:ext uri="{FF2B5EF4-FFF2-40B4-BE49-F238E27FC236}">
-                <a16:creationId xmlns:a16="http://schemas.microsoft.com/office/drawing/2014/main" id="{1416CB75-B0BE-451B-9A78-FA7E6FCFCFDA}"/>
+                <a16:creationId xmlns:a16="http://schemas.microsoft.com/office/drawing/2014/main" id="{B550927E-C6C1-4E3B-8B66-3CF9EBD2B20C}"/>
               </a:ext>
             </a:extLst>
           </p:cNvPr>
@@ -4517,7 +4464,7 @@
           <p:cNvPr id="3" name="Content Placeholder 2">
             <a:extLst>
               <a:ext uri="{FF2B5EF4-FFF2-40B4-BE49-F238E27FC236}">
-                <a16:creationId xmlns:a16="http://schemas.microsoft.com/office/drawing/2014/main" id="{13681B7D-351A-4C99-BDEC-41923465D09F}"/>
+                <a16:creationId xmlns:a16="http://schemas.microsoft.com/office/drawing/2014/main" id="{8AB0DEEA-A366-41E5-AFA3-4DE863B0F5E9}"/>
               </a:ext>
             </a:extLst>
           </p:cNvPr>
@@ -4538,7 +4485,7 @@
             </a:pPr>
             <a:r>
               <a:rPr lang="ru-RU" dirty="0"/>
-              <a:t>Массив, как мы знаем, не может изменять свой размер. Как же работает тогда </a:t>
+              <a:t>Среди всех реализаций можно выделить две самые часто используемые: </a:t>
             </a:r>
             <a:r>
               <a:rPr lang="ru-RU" dirty="0" err="1"/>
@@ -4546,35 +4493,40 @@
             </a:r>
             <a:r>
               <a:rPr lang="ru-RU" dirty="0"/>
-              <a:t>?</a:t>
-            </a:r>
-          </a:p>
-          <a:p>
-            <a:pPr marL="0" indent="0">
-              <a:buNone/>
-            </a:pPr>
-            <a:r>
-              <a:rPr lang="ru-RU" dirty="0"/>
-              <a:t>А работает он очень просто. Когда заканчивается место в массиве, то он увеличивается в 1.5 раза (примерно так же как и в </a:t>
+              <a:t> и </a:t>
             </a:r>
             <a:r>
               <a:rPr lang="ru-RU" dirty="0" err="1"/>
-              <a:t>шарпах</a:t>
-            </a:r>
-            <a:r>
-              <a:rPr lang="ru-RU" dirty="0"/>
-              <a:t> </a:t>
+              <a:t>LinkedList</a:t>
+            </a:r>
+            <a:r>
+              <a:rPr lang="ru-RU" dirty="0"/>
+              <a:t>. Во-первых, </a:t>
             </a:r>
             <a:r>
               <a:rPr lang="ru-RU" dirty="0" err="1"/>
-              <a:t>аллокатор</a:t>
-            </a:r>
-            <a:r>
-              <a:rPr lang="ru-RU" dirty="0"/>
-              <a:t> получает дополнительное место в куче).</a:t>
-            </a:r>
-          </a:p>
-          <a:p>
+              <a:t>ArrayList</a:t>
+            </a:r>
+            <a:r>
+              <a:rPr lang="ru-RU" dirty="0"/>
+              <a:t> — это список (List) на основе массива (</a:t>
+            </a:r>
+            <a:r>
+              <a:rPr lang="ru-RU" dirty="0" err="1"/>
+              <a:t>Array</a:t>
+            </a:r>
+            <a:r>
+              <a:rPr lang="ru-RU" dirty="0"/>
+              <a:t>). Это позволяет добиться "Произвольного доступа" (</a:t>
+            </a:r>
+            <a:r>
+              <a:rPr lang="ru-RU" dirty="0" err="1"/>
+              <a:t>Random</a:t>
+            </a:r>
+            <a:r>
+              <a:rPr lang="ru-RU" dirty="0"/>
+              <a:t> Access) к элементам. Произвольный доступ — это возможность сразу достать элемент по индексу, а не перебирать все элементы, пока не найдём элемент с нужным индексом. Именно массив как основа позволяет этого достичь.</a:t>
+            </a:r>
             <a:endParaRPr lang="en-US" dirty="0"/>
           </a:p>
         </p:txBody>
@@ -4582,7 +4534,7 @@
     </p:spTree>
     <p:extLst>
       <p:ext uri="{BB962C8B-B14F-4D97-AF65-F5344CB8AC3E}">
-        <p14:creationId xmlns:p14="http://schemas.microsoft.com/office/powerpoint/2010/main" val="831715878"/>
+        <p14:creationId xmlns:p14="http://schemas.microsoft.com/office/powerpoint/2010/main" val="724233912"/>
       </p:ext>
     </p:extLst>
   </p:cSld>
@@ -4614,7 +4566,7 @@
           <p:cNvPr id="2" name="Title 1">
             <a:extLst>
               <a:ext uri="{FF2B5EF4-FFF2-40B4-BE49-F238E27FC236}">
-                <a16:creationId xmlns:a16="http://schemas.microsoft.com/office/drawing/2014/main" id="{9A18B400-13C2-4BCF-86D3-DC2C0C7F436B}"/>
+                <a16:creationId xmlns:a16="http://schemas.microsoft.com/office/drawing/2014/main" id="{B550927E-C6C1-4E3B-8B66-3CF9EBD2B20C}"/>
               </a:ext>
             </a:extLst>
           </p:cNvPr>
@@ -4632,7 +4584,7 @@
           <a:p>
             <a:r>
               <a:rPr lang="en-US" dirty="0" err="1"/>
-              <a:t>java.util.Vector</a:t>
+              <a:t>java.util.List</a:t>
             </a:r>
             <a:endParaRPr lang="en-US" dirty="0"/>
           </a:p>
@@ -4643,7 +4595,7 @@
           <p:cNvPr id="3" name="Content Placeholder 2">
             <a:extLst>
               <a:ext uri="{FF2B5EF4-FFF2-40B4-BE49-F238E27FC236}">
-                <a16:creationId xmlns:a16="http://schemas.microsoft.com/office/drawing/2014/main" id="{103318E8-448A-4F72-9821-3813D96A1E54}"/>
+                <a16:creationId xmlns:a16="http://schemas.microsoft.com/office/drawing/2014/main" id="{8AB0DEEA-A366-41E5-AFA3-4DE863B0F5E9}"/>
               </a:ext>
             </a:extLst>
           </p:cNvPr>
@@ -4664,97 +4616,71 @@
             </a:pPr>
             <a:r>
               <a:rPr lang="ru-RU" dirty="0"/>
-              <a:t>Рассмотрев </a:t>
+              <a:t>Напротив, </a:t>
             </a:r>
             <a:r>
               <a:rPr lang="ru-RU" dirty="0" err="1"/>
-              <a:t>ArrayList</a:t>
-            </a:r>
-            <a:r>
-              <a:rPr lang="ru-RU" dirty="0"/>
-              <a:t> нельзя не вспомнить про его "предшественника", про класс </a:t>
-            </a:r>
-            <a:r>
-              <a:rPr lang="ru-RU" b="1" dirty="0" err="1"/>
-              <a:t>java.util.Vector</a:t>
-            </a:r>
-            <a:r>
-              <a:rPr lang="ru-RU" dirty="0"/>
-              <a:t>. </a:t>
-            </a:r>
-            <a:endParaRPr lang="en-US" dirty="0"/>
-          </a:p>
-          <a:p>
-            <a:pPr marL="0" indent="0">
-              <a:buNone/>
-            </a:pPr>
-            <a:r>
-              <a:rPr lang="ru-RU" dirty="0"/>
-              <a:t>Отличается </a:t>
+              <a:t>LinkedList</a:t>
+            </a:r>
+            <a:r>
+              <a:rPr lang="ru-RU" dirty="0"/>
+              <a:t> — это связанный (</a:t>
             </a:r>
             <a:r>
               <a:rPr lang="ru-RU" dirty="0" err="1"/>
-              <a:t>Vector</a:t>
-            </a:r>
-            <a:r>
-              <a:rPr lang="ru-RU" dirty="0"/>
-              <a:t> от </a:t>
+              <a:t>Linked</a:t>
+            </a:r>
+            <a:r>
+              <a:rPr lang="ru-RU" dirty="0"/>
+              <a:t>) список (List). Каждая запись в связанном списке представлена в виде </a:t>
             </a:r>
             <a:r>
               <a:rPr lang="ru-RU" dirty="0" err="1"/>
-              <a:t>ArrayList</a:t>
-            </a:r>
-            <a:r>
-              <a:rPr lang="ru-RU" dirty="0"/>
-              <a:t> тем, что методы для работы с коллекцией (добавление, удаление и т.д.) </a:t>
-            </a:r>
-            <a:r>
-              <a:rPr lang="ru-RU" b="1" dirty="0"/>
-              <a:t>синхронизированы</a:t>
-            </a:r>
-            <a:r>
-              <a:rPr lang="ru-RU" dirty="0"/>
-              <a:t>. То есть если один поток (</a:t>
+              <a:t>Entry</a:t>
+            </a:r>
+            <a:r>
+              <a:rPr lang="ru-RU" dirty="0"/>
+              <a:t>, которая хранит сами данные, а так же ссылку на следующую (</a:t>
             </a:r>
             <a:r>
               <a:rPr lang="ru-RU" dirty="0" err="1"/>
-              <a:t>Thread</a:t>
-            </a:r>
-            <a:r>
-              <a:rPr lang="ru-RU" dirty="0"/>
-              <a:t>) будет добавлять элементы, то другие потоки будут ждать, пока первый поток не закончит свою работу. Так как </a:t>
+              <a:t>next</a:t>
+            </a:r>
+            <a:r>
+              <a:rPr lang="ru-RU" dirty="0"/>
+              <a:t>) и предыдущую (</a:t>
             </a:r>
             <a:r>
               <a:rPr lang="ru-RU" dirty="0" err="1"/>
-              <a:t>потокобезопасность</a:t>
-            </a:r>
-            <a:r>
-              <a:rPr lang="ru-RU" dirty="0"/>
-              <a:t> зачастую не требуется, рекомендуется использовать в таких случаях класс </a:t>
+              <a:t>previous</a:t>
+            </a:r>
+            <a:r>
+              <a:rPr lang="ru-RU" dirty="0"/>
+              <a:t>) </a:t>
             </a:r>
             <a:r>
               <a:rPr lang="ru-RU" dirty="0" err="1"/>
-              <a:t>ArrayList</a:t>
-            </a:r>
-            <a:r>
-              <a:rPr lang="ru-RU" dirty="0"/>
-              <a:t>, о чём прямым текстом сказано в </a:t>
+              <a:t>Entry</a:t>
+            </a:r>
+            <a:r>
+              <a:rPr lang="ru-RU" dirty="0"/>
+              <a:t>. Таким образом </a:t>
             </a:r>
             <a:r>
               <a:rPr lang="ru-RU" dirty="0" err="1"/>
-              <a:t>JavaDoc</a:t>
-            </a:r>
-            <a:r>
-              <a:rPr lang="ru-RU" dirty="0"/>
-              <a:t> для класса </a:t>
+              <a:t>LinkedList</a:t>
+            </a:r>
+            <a:r>
+              <a:rPr lang="ru-RU" dirty="0"/>
+              <a:t> реализует "Последовательный доступ" (</a:t>
             </a:r>
             <a:r>
               <a:rPr lang="ru-RU" dirty="0" err="1"/>
-              <a:t>Vector</a:t>
-            </a:r>
-            <a:r>
-              <a:rPr lang="ru-RU" dirty="0"/>
-              <a:t>. </a:t>
+              <a:t>Sequential</a:t>
+            </a:r>
+            <a:r>
+              <a:rPr lang="ru-RU" dirty="0"/>
+              <a:t> Access).</a:t>
             </a:r>
             <a:endParaRPr lang="en-US" dirty="0"/>
           </a:p>
@@ -4763,7 +4689,7 @@
     </p:spTree>
     <p:extLst>
       <p:ext uri="{BB962C8B-B14F-4D97-AF65-F5344CB8AC3E}">
-        <p14:creationId xmlns:p14="http://schemas.microsoft.com/office/powerpoint/2010/main" val="3386522556"/>
+        <p14:creationId xmlns:p14="http://schemas.microsoft.com/office/powerpoint/2010/main" val="3720628466"/>
       </p:ext>
     </p:extLst>
   </p:cSld>
@@ -5039,7 +4965,7 @@
           <p:cNvPr id="2" name="Title 1">
             <a:extLst>
               <a:ext uri="{FF2B5EF4-FFF2-40B4-BE49-F238E27FC236}">
-                <a16:creationId xmlns:a16="http://schemas.microsoft.com/office/drawing/2014/main" id="{B0CD0BF8-9E65-453B-A5F0-E0B9894CE0B6}"/>
+                <a16:creationId xmlns:a16="http://schemas.microsoft.com/office/drawing/2014/main" id="{1416CB75-B0BE-451B-9A78-FA7E6FCFCFDA}"/>
               </a:ext>
             </a:extLst>
           </p:cNvPr>
@@ -5056,105 +4982,76 @@
           <a:lstStyle/>
           <a:p>
             <a:r>
+              <a:rPr lang="en-US" dirty="0" err="1"/>
+              <a:t>java.util.List</a:t>
+            </a:r>
+            <a:endParaRPr lang="en-US" dirty="0"/>
+          </a:p>
+        </p:txBody>
+      </p:sp>
+      <p:sp>
+        <p:nvSpPr>
+          <p:cNvPr id="3" name="Content Placeholder 2">
+            <a:extLst>
+              <a:ext uri="{FF2B5EF4-FFF2-40B4-BE49-F238E27FC236}">
+                <a16:creationId xmlns:a16="http://schemas.microsoft.com/office/drawing/2014/main" id="{13681B7D-351A-4C99-BDEC-41923465D09F}"/>
+              </a:ext>
+            </a:extLst>
+          </p:cNvPr>
+          <p:cNvSpPr>
+            <a:spLocks noGrp="1"/>
+          </p:cNvSpPr>
+          <p:nvPr>
+            <p:ph idx="1"/>
+          </p:nvPr>
+        </p:nvSpPr>
+        <p:spPr/>
+        <p:txBody>
+          <a:bodyPr/>
+          <a:lstStyle/>
+          <a:p>
+            <a:pPr marL="0" indent="0">
+              <a:buNone/>
+            </a:pPr>
+            <a:r>
+              <a:rPr lang="ru-RU" dirty="0"/>
+              <a:t>Массив, как мы знаем, не может изменять свой размер. Как же работает тогда </a:t>
+            </a:r>
+            <a:r>
               <a:rPr lang="ru-RU" dirty="0" err="1"/>
-              <a:t>Потокобезопасность</a:t>
-            </a:r>
-            <a:r>
-              <a:rPr lang="ru-RU" dirty="0"/>
-              <a:t> коллекций</a:t>
-            </a:r>
-            <a:endParaRPr lang="en-US" dirty="0"/>
-          </a:p>
-        </p:txBody>
-      </p:sp>
-      <p:sp>
-        <p:nvSpPr>
-          <p:cNvPr id="3" name="Content Placeholder 2">
-            <a:extLst>
-              <a:ext uri="{FF2B5EF4-FFF2-40B4-BE49-F238E27FC236}">
-                <a16:creationId xmlns:a16="http://schemas.microsoft.com/office/drawing/2014/main" id="{BF00BE93-6F12-4A2E-B1D3-1E0CAAA971E2}"/>
-              </a:ext>
-            </a:extLst>
-          </p:cNvPr>
-          <p:cNvSpPr>
-            <a:spLocks noGrp="1"/>
-          </p:cNvSpPr>
-          <p:nvPr>
-            <p:ph idx="1"/>
-          </p:nvPr>
-        </p:nvSpPr>
-        <p:spPr/>
-        <p:txBody>
-          <a:bodyPr/>
-          <a:lstStyle/>
-          <a:p>
-            <a:r>
-              <a:rPr lang="en-US" b="1" dirty="0"/>
-              <a:t>Synchronized</a:t>
-            </a:r>
-            <a:r>
-              <a:rPr lang="ru-RU" b="1" dirty="0"/>
+              <a:t>ArrayList</a:t>
+            </a:r>
+            <a:r>
+              <a:rPr lang="ru-RU" dirty="0"/>
+              <a:t>?</a:t>
+            </a:r>
+          </a:p>
+          <a:p>
+            <a:pPr marL="0" indent="0">
+              <a:buNone/>
+            </a:pPr>
+            <a:r>
+              <a:rPr lang="ru-RU" dirty="0"/>
+              <a:t>А работает он очень просто. Когда заканчивается место в массиве, то он увеличивается в 1.5 раза (примерно так же как и в </a:t>
+            </a:r>
+            <a:r>
+              <a:rPr lang="ru-RU" dirty="0" err="1"/>
+              <a:t>шарпах</a:t>
+            </a:r>
+            <a:r>
+              <a:rPr lang="ru-RU" dirty="0"/>
               <a:t> </a:t>
             </a:r>
             <a:r>
-              <a:rPr lang="ru-RU" dirty="0"/>
-              <a:t>коллекции</a:t>
-            </a:r>
-            <a:r>
-              <a:rPr lang="en-US" dirty="0"/>
-              <a:t> </a:t>
-            </a:r>
-            <a:r>
-              <a:rPr lang="ru-RU" dirty="0"/>
-              <a:t>обычно означают </a:t>
-            </a:r>
-            <a:r>
               <a:rPr lang="ru-RU" dirty="0" err="1"/>
-              <a:t>потокобезопасный</a:t>
-            </a:r>
-            <a:r>
-              <a:rPr lang="ru-RU" dirty="0"/>
-              <a:t> вариант, т.е. только один поток параллельно может работать с коллекцией</a:t>
-            </a:r>
-            <a:r>
-              <a:rPr lang="en-US" dirty="0"/>
-              <a:t>.</a:t>
-            </a:r>
-            <a:r>
-              <a:rPr lang="ru-RU" dirty="0"/>
-              <a:t> Синхронизированные коллекции обеспечивают согласованность/целостность данных в многопоточных средах. Однако они могут привести к снижению производительности, так как только один поток может одновременно получить доступ к коллекции</a:t>
-            </a:r>
-            <a:endParaRPr lang="en-US" dirty="0"/>
-          </a:p>
-          <a:p>
-            <a:r>
-              <a:rPr lang="en-US" b="1" dirty="0"/>
-              <a:t>Non-Synchronized</a:t>
-            </a:r>
-            <a:r>
-              <a:rPr lang="ru-RU" b="1" dirty="0"/>
-              <a:t> </a:t>
-            </a:r>
-            <a:r>
-              <a:rPr lang="ru-RU" dirty="0"/>
-              <a:t>коллекции</a:t>
-            </a:r>
-            <a:r>
-              <a:rPr lang="en-US" dirty="0"/>
-              <a:t> </a:t>
-            </a:r>
-            <a:r>
-              <a:rPr lang="ru-RU" dirty="0"/>
-              <a:t>наоборот, не </a:t>
-            </a:r>
-            <a:r>
-              <a:rPr lang="ru-RU" dirty="0" err="1"/>
-              <a:t>потокобезопасны</a:t>
-            </a:r>
-            <a:r>
-              <a:rPr lang="ru-RU" dirty="0"/>
-              <a:t>, т.е. множество различных потоков может работать с коллекцией.</a:t>
-            </a:r>
+              <a:t>аллокатор</a:t>
+            </a:r>
+            <a:r>
+              <a:rPr lang="ru-RU" dirty="0"/>
+              <a:t> получает дополнительное место в куче).</a:t>
+            </a:r>
+          </a:p>
+          <a:p>
             <a:endParaRPr lang="en-US" dirty="0"/>
           </a:p>
         </p:txBody>
@@ -5162,7 +5059,7 @@
     </p:spTree>
     <p:extLst>
       <p:ext uri="{BB962C8B-B14F-4D97-AF65-F5344CB8AC3E}">
-        <p14:creationId xmlns:p14="http://schemas.microsoft.com/office/powerpoint/2010/main" val="936289151"/>
+        <p14:creationId xmlns:p14="http://schemas.microsoft.com/office/powerpoint/2010/main" val="831715878"/>
       </p:ext>
     </p:extLst>
   </p:cSld>
@@ -5194,6 +5091,342 @@
           <p:cNvPr id="2" name="Title 1">
             <a:extLst>
               <a:ext uri="{FF2B5EF4-FFF2-40B4-BE49-F238E27FC236}">
+                <a16:creationId xmlns:a16="http://schemas.microsoft.com/office/drawing/2014/main" id="{9A18B400-13C2-4BCF-86D3-DC2C0C7F436B}"/>
+              </a:ext>
+            </a:extLst>
+          </p:cNvPr>
+          <p:cNvSpPr>
+            <a:spLocks noGrp="1"/>
+          </p:cNvSpPr>
+          <p:nvPr>
+            <p:ph type="title"/>
+          </p:nvPr>
+        </p:nvSpPr>
+        <p:spPr/>
+        <p:txBody>
+          <a:bodyPr/>
+          <a:lstStyle/>
+          <a:p>
+            <a:r>
+              <a:rPr lang="en-US" dirty="0" err="1"/>
+              <a:t>java.util.Vector</a:t>
+            </a:r>
+            <a:endParaRPr lang="en-US" dirty="0"/>
+          </a:p>
+        </p:txBody>
+      </p:sp>
+      <p:sp>
+        <p:nvSpPr>
+          <p:cNvPr id="3" name="Content Placeholder 2">
+            <a:extLst>
+              <a:ext uri="{FF2B5EF4-FFF2-40B4-BE49-F238E27FC236}">
+                <a16:creationId xmlns:a16="http://schemas.microsoft.com/office/drawing/2014/main" id="{103318E8-448A-4F72-9821-3813D96A1E54}"/>
+              </a:ext>
+            </a:extLst>
+          </p:cNvPr>
+          <p:cNvSpPr>
+            <a:spLocks noGrp="1"/>
+          </p:cNvSpPr>
+          <p:nvPr>
+            <p:ph idx="1"/>
+          </p:nvPr>
+        </p:nvSpPr>
+        <p:spPr/>
+        <p:txBody>
+          <a:bodyPr/>
+          <a:lstStyle/>
+          <a:p>
+            <a:pPr marL="0" indent="0">
+              <a:buNone/>
+            </a:pPr>
+            <a:r>
+              <a:rPr lang="ru-RU" dirty="0"/>
+              <a:t>Рассмотрев </a:t>
+            </a:r>
+            <a:r>
+              <a:rPr lang="ru-RU" dirty="0" err="1"/>
+              <a:t>ArrayList</a:t>
+            </a:r>
+            <a:r>
+              <a:rPr lang="ru-RU" dirty="0"/>
+              <a:t> нельзя не вспомнить про его "предшественника", про класс </a:t>
+            </a:r>
+            <a:r>
+              <a:rPr lang="ru-RU" b="1" dirty="0" err="1"/>
+              <a:t>java.util.Vector</a:t>
+            </a:r>
+            <a:r>
+              <a:rPr lang="ru-RU" dirty="0"/>
+              <a:t>. </a:t>
+            </a:r>
+            <a:endParaRPr lang="en-US" dirty="0"/>
+          </a:p>
+          <a:p>
+            <a:pPr marL="0" indent="0">
+              <a:buNone/>
+            </a:pPr>
+            <a:r>
+              <a:rPr lang="ru-RU" dirty="0"/>
+              <a:t>Отличается </a:t>
+            </a:r>
+            <a:r>
+              <a:rPr lang="ru-RU" dirty="0" err="1"/>
+              <a:t>Vector</a:t>
+            </a:r>
+            <a:r>
+              <a:rPr lang="ru-RU" dirty="0"/>
+              <a:t> от </a:t>
+            </a:r>
+            <a:r>
+              <a:rPr lang="ru-RU" dirty="0" err="1"/>
+              <a:t>ArrayList</a:t>
+            </a:r>
+            <a:r>
+              <a:rPr lang="ru-RU" dirty="0"/>
+              <a:t> тем, что методы для работы с коллекцией (добавление, удаление и т.д.) </a:t>
+            </a:r>
+            <a:r>
+              <a:rPr lang="ru-RU" b="1" dirty="0"/>
+              <a:t>синхронизированы</a:t>
+            </a:r>
+            <a:r>
+              <a:rPr lang="ru-RU" dirty="0"/>
+              <a:t>. То есть если один поток (</a:t>
+            </a:r>
+            <a:r>
+              <a:rPr lang="ru-RU" dirty="0" err="1"/>
+              <a:t>Thread</a:t>
+            </a:r>
+            <a:r>
+              <a:rPr lang="ru-RU" dirty="0"/>
+              <a:t>) будет добавлять элементы, то другие потоки будут ждать, пока первый поток не закончит свою работу. Так как </a:t>
+            </a:r>
+            <a:r>
+              <a:rPr lang="ru-RU" dirty="0" err="1"/>
+              <a:t>потокобезопасность</a:t>
+            </a:r>
+            <a:r>
+              <a:rPr lang="ru-RU" dirty="0"/>
+              <a:t> зачастую не требуется, рекомендуется использовать в таких случаях класс </a:t>
+            </a:r>
+            <a:r>
+              <a:rPr lang="ru-RU" dirty="0" err="1"/>
+              <a:t>ArrayList</a:t>
+            </a:r>
+            <a:r>
+              <a:rPr lang="ru-RU" dirty="0"/>
+              <a:t>, о чём прямым текстом сказано в </a:t>
+            </a:r>
+            <a:r>
+              <a:rPr lang="ru-RU" dirty="0" err="1"/>
+              <a:t>JavaDoc</a:t>
+            </a:r>
+            <a:r>
+              <a:rPr lang="ru-RU" dirty="0"/>
+              <a:t> для класса </a:t>
+            </a:r>
+            <a:r>
+              <a:rPr lang="ru-RU" dirty="0" err="1"/>
+              <a:t>Vector</a:t>
+            </a:r>
+            <a:r>
+              <a:rPr lang="ru-RU" dirty="0"/>
+              <a:t>. </a:t>
+            </a:r>
+            <a:endParaRPr lang="en-US" dirty="0"/>
+          </a:p>
+        </p:txBody>
+      </p:sp>
+    </p:spTree>
+    <p:extLst>
+      <p:ext uri="{BB962C8B-B14F-4D97-AF65-F5344CB8AC3E}">
+        <p14:creationId xmlns:p14="http://schemas.microsoft.com/office/powerpoint/2010/main" val="3386522556"/>
+      </p:ext>
+    </p:extLst>
+  </p:cSld>
+  <p:clrMapOvr>
+    <a:masterClrMapping/>
+  </p:clrMapOvr>
+</p:sld>
+</file>
+
+<file path=ppt/slides/slide22.xml><?xml version="1.0" encoding="utf-8"?>
+<p:sld xmlns:a="http://schemas.openxmlformats.org/drawingml/2006/main" xmlns:r="http://schemas.openxmlformats.org/officeDocument/2006/relationships" xmlns:p="http://schemas.openxmlformats.org/presentationml/2006/main">
+  <p:cSld>
+    <p:spTree>
+      <p:nvGrpSpPr>
+        <p:cNvPr id="1" name=""/>
+        <p:cNvGrpSpPr/>
+        <p:nvPr/>
+      </p:nvGrpSpPr>
+      <p:grpSpPr>
+        <a:xfrm>
+          <a:off x="0" y="0"/>
+          <a:ext cx="0" cy="0"/>
+          <a:chOff x="0" y="0"/>
+          <a:chExt cx="0" cy="0"/>
+        </a:xfrm>
+      </p:grpSpPr>
+      <p:sp>
+        <p:nvSpPr>
+          <p:cNvPr id="2" name="Title 1">
+            <a:extLst>
+              <a:ext uri="{FF2B5EF4-FFF2-40B4-BE49-F238E27FC236}">
+                <a16:creationId xmlns:a16="http://schemas.microsoft.com/office/drawing/2014/main" id="{B0CD0BF8-9E65-453B-A5F0-E0B9894CE0B6}"/>
+              </a:ext>
+            </a:extLst>
+          </p:cNvPr>
+          <p:cNvSpPr>
+            <a:spLocks noGrp="1"/>
+          </p:cNvSpPr>
+          <p:nvPr>
+            <p:ph type="title"/>
+          </p:nvPr>
+        </p:nvSpPr>
+        <p:spPr/>
+        <p:txBody>
+          <a:bodyPr/>
+          <a:lstStyle/>
+          <a:p>
+            <a:r>
+              <a:rPr lang="ru-RU" dirty="0" err="1"/>
+              <a:t>Потокобезопасность</a:t>
+            </a:r>
+            <a:r>
+              <a:rPr lang="ru-RU" dirty="0"/>
+              <a:t> коллекций</a:t>
+            </a:r>
+            <a:endParaRPr lang="en-US" dirty="0"/>
+          </a:p>
+        </p:txBody>
+      </p:sp>
+      <p:sp>
+        <p:nvSpPr>
+          <p:cNvPr id="3" name="Content Placeholder 2">
+            <a:extLst>
+              <a:ext uri="{FF2B5EF4-FFF2-40B4-BE49-F238E27FC236}">
+                <a16:creationId xmlns:a16="http://schemas.microsoft.com/office/drawing/2014/main" id="{BF00BE93-6F12-4A2E-B1D3-1E0CAAA971E2}"/>
+              </a:ext>
+            </a:extLst>
+          </p:cNvPr>
+          <p:cNvSpPr>
+            <a:spLocks noGrp="1"/>
+          </p:cNvSpPr>
+          <p:nvPr>
+            <p:ph idx="1"/>
+          </p:nvPr>
+        </p:nvSpPr>
+        <p:spPr/>
+        <p:txBody>
+          <a:bodyPr/>
+          <a:lstStyle/>
+          <a:p>
+            <a:r>
+              <a:rPr lang="en-US" b="1" dirty="0"/>
+              <a:t>Synchronized</a:t>
+            </a:r>
+            <a:r>
+              <a:rPr lang="ru-RU" b="1" dirty="0"/>
+              <a:t> </a:t>
+            </a:r>
+            <a:r>
+              <a:rPr lang="ru-RU" dirty="0"/>
+              <a:t>коллекции</a:t>
+            </a:r>
+            <a:r>
+              <a:rPr lang="en-US" dirty="0"/>
+              <a:t> </a:t>
+            </a:r>
+            <a:r>
+              <a:rPr lang="ru-RU" dirty="0"/>
+              <a:t>обычно означают </a:t>
+            </a:r>
+            <a:r>
+              <a:rPr lang="ru-RU" dirty="0" err="1"/>
+              <a:t>потокобезопасный</a:t>
+            </a:r>
+            <a:r>
+              <a:rPr lang="ru-RU" dirty="0"/>
+              <a:t> вариант, т.е. только один поток параллельно может работать с коллекцией</a:t>
+            </a:r>
+            <a:r>
+              <a:rPr lang="en-US" dirty="0"/>
+              <a:t>.</a:t>
+            </a:r>
+            <a:r>
+              <a:rPr lang="ru-RU" dirty="0"/>
+              <a:t> Синхронизированные коллекции обеспечивают согласованность/целостность данных в многопоточных средах. Однако они могут привести к снижению производительности, так как только один поток может одновременно получить доступ к коллекции</a:t>
+            </a:r>
+            <a:endParaRPr lang="en-US" dirty="0"/>
+          </a:p>
+          <a:p>
+            <a:r>
+              <a:rPr lang="en-US" b="1" dirty="0"/>
+              <a:t>Non-Synchronized</a:t>
+            </a:r>
+            <a:r>
+              <a:rPr lang="ru-RU" b="1" dirty="0"/>
+              <a:t> </a:t>
+            </a:r>
+            <a:r>
+              <a:rPr lang="ru-RU" dirty="0"/>
+              <a:t>коллекции</a:t>
+            </a:r>
+            <a:r>
+              <a:rPr lang="en-US" dirty="0"/>
+              <a:t> </a:t>
+            </a:r>
+            <a:r>
+              <a:rPr lang="ru-RU" dirty="0"/>
+              <a:t>наоборот, не </a:t>
+            </a:r>
+            <a:r>
+              <a:rPr lang="ru-RU" dirty="0" err="1"/>
+              <a:t>потокобезопасны</a:t>
+            </a:r>
+            <a:r>
+              <a:rPr lang="ru-RU" dirty="0"/>
+              <a:t>, т.е. множество различных потоков может работать с коллекцией.</a:t>
+            </a:r>
+            <a:endParaRPr lang="en-US" dirty="0"/>
+          </a:p>
+        </p:txBody>
+      </p:sp>
+    </p:spTree>
+    <p:extLst>
+      <p:ext uri="{BB962C8B-B14F-4D97-AF65-F5344CB8AC3E}">
+        <p14:creationId xmlns:p14="http://schemas.microsoft.com/office/powerpoint/2010/main" val="936289151"/>
+      </p:ext>
+    </p:extLst>
+  </p:cSld>
+  <p:clrMapOvr>
+    <a:masterClrMapping/>
+  </p:clrMapOvr>
+</p:sld>
+</file>
+
+<file path=ppt/slides/slide23.xml><?xml version="1.0" encoding="utf-8"?>
+<p:sld xmlns:a="http://schemas.openxmlformats.org/drawingml/2006/main" xmlns:r="http://schemas.openxmlformats.org/officeDocument/2006/relationships" xmlns:p="http://schemas.openxmlformats.org/presentationml/2006/main">
+  <p:cSld>
+    <p:spTree>
+      <p:nvGrpSpPr>
+        <p:cNvPr id="1" name=""/>
+        <p:cNvGrpSpPr/>
+        <p:nvPr/>
+      </p:nvGrpSpPr>
+      <p:grpSpPr>
+        <a:xfrm>
+          <a:off x="0" y="0"/>
+          <a:ext cx="0" cy="0"/>
+          <a:chOff x="0" y="0"/>
+          <a:chExt cx="0" cy="0"/>
+        </a:xfrm>
+      </p:grpSpPr>
+      <p:sp>
+        <p:nvSpPr>
+          <p:cNvPr id="2" name="Title 1">
+            <a:extLst>
+              <a:ext uri="{FF2B5EF4-FFF2-40B4-BE49-F238E27FC236}">
                 <a16:creationId xmlns:a16="http://schemas.microsoft.com/office/drawing/2014/main" id="{C8F0ECB2-F761-4561-9BDE-BC43A4B3D2A8}"/>
               </a:ext>
             </a:extLst>
@@ -5394,7 +5627,7 @@
 </p:sld>
 </file>
 
-<file path=ppt/slides/slide22.xml><?xml version="1.0" encoding="utf-8"?>
+<file path=ppt/slides/slide24.xml><?xml version="1.0" encoding="utf-8"?>
 <p:sld xmlns:a="http://schemas.openxmlformats.org/drawingml/2006/main" xmlns:r="http://schemas.openxmlformats.org/officeDocument/2006/relationships" xmlns:p="http://schemas.openxmlformats.org/presentationml/2006/main">
   <p:cSld>
     <p:spTree>
@@ -5452,7 +5685,7 @@
 </p:sld>
 </file>
 
-<file path=ppt/slides/slide23.xml><?xml version="1.0" encoding="utf-8"?>
+<file path=ppt/slides/slide25.xml><?xml version="1.0" encoding="utf-8"?>
 <p:sld xmlns:a="http://schemas.openxmlformats.org/drawingml/2006/main" xmlns:r="http://schemas.openxmlformats.org/officeDocument/2006/relationships" xmlns:p="http://schemas.openxmlformats.org/presentationml/2006/main">
   <p:cSld>
     <p:spTree>
@@ -5606,350 +5839,6 @@
 </p:sld>
 </file>
 
-<file path=ppt/slides/slide24.xml><?xml version="1.0" encoding="utf-8"?>
-<p:sld xmlns:a="http://schemas.openxmlformats.org/drawingml/2006/main" xmlns:r="http://schemas.openxmlformats.org/officeDocument/2006/relationships" xmlns:p="http://schemas.openxmlformats.org/presentationml/2006/main">
-  <p:cSld>
-    <p:spTree>
-      <p:nvGrpSpPr>
-        <p:cNvPr id="1" name=""/>
-        <p:cNvGrpSpPr/>
-        <p:nvPr/>
-      </p:nvGrpSpPr>
-      <p:grpSpPr>
-        <a:xfrm>
-          <a:off x="0" y="0"/>
-          <a:ext cx="0" cy="0"/>
-          <a:chOff x="0" y="0"/>
-          <a:chExt cx="0" cy="0"/>
-        </a:xfrm>
-      </p:grpSpPr>
-      <p:sp>
-        <p:nvSpPr>
-          <p:cNvPr id="2" name="Title 1">
-            <a:extLst>
-              <a:ext uri="{FF2B5EF4-FFF2-40B4-BE49-F238E27FC236}">
-                <a16:creationId xmlns:a16="http://schemas.microsoft.com/office/drawing/2014/main" id="{0A010EAC-E34F-4F1A-B04E-A260291A0C4A}"/>
-              </a:ext>
-            </a:extLst>
-          </p:cNvPr>
-          <p:cNvSpPr>
-            <a:spLocks noGrp="1"/>
-          </p:cNvSpPr>
-          <p:nvPr>
-            <p:ph type="title"/>
-          </p:nvPr>
-        </p:nvSpPr>
-        <p:spPr/>
-        <p:txBody>
-          <a:bodyPr/>
-          <a:lstStyle/>
-          <a:p>
-            <a:r>
-              <a:rPr lang="en-US" dirty="0" err="1"/>
-              <a:t>java.util.Deque</a:t>
-            </a:r>
-            <a:endParaRPr lang="en-US" dirty="0"/>
-          </a:p>
-        </p:txBody>
-      </p:sp>
-      <p:sp>
-        <p:nvSpPr>
-          <p:cNvPr id="3" name="Content Placeholder 2">
-            <a:extLst>
-              <a:ext uri="{FF2B5EF4-FFF2-40B4-BE49-F238E27FC236}">
-                <a16:creationId xmlns:a16="http://schemas.microsoft.com/office/drawing/2014/main" id="{55CAEB5F-31FE-4653-B8DB-581B3A7DC6D3}"/>
-              </a:ext>
-            </a:extLst>
-          </p:cNvPr>
-          <p:cNvSpPr>
-            <a:spLocks noGrp="1"/>
-          </p:cNvSpPr>
-          <p:nvPr>
-            <p:ph idx="1"/>
-          </p:nvPr>
-        </p:nvSpPr>
-        <p:spPr/>
-        <p:txBody>
-          <a:bodyPr>
-            <a:normAutofit/>
-          </a:bodyPr>
-          <a:lstStyle/>
-          <a:p>
-            <a:pPr marL="0" indent="0">
-              <a:buNone/>
-            </a:pPr>
-            <a:r>
-              <a:rPr lang="ru-RU" dirty="0"/>
-              <a:t>У интерфейса очереди есть так же полезный наследник — </a:t>
-            </a:r>
-            <a:r>
-              <a:rPr lang="ru-RU" dirty="0" err="1"/>
-              <a:t>Deque</a:t>
-            </a:r>
-            <a:r>
-              <a:rPr lang="ru-RU" dirty="0"/>
-              <a:t>. Это так называемая "двусторонняя очередь". То есть такая очередь позволяет использовать эту структуру как с начала, так и с конца.</a:t>
-            </a:r>
-          </a:p>
-          <a:p>
-            <a:pPr marL="0" indent="0">
-              <a:buNone/>
-            </a:pPr>
-            <a:r>
-              <a:rPr lang="ru-RU" dirty="0"/>
-              <a:t>В качестве реализации </a:t>
-            </a:r>
-            <a:r>
-              <a:rPr lang="ru-RU" dirty="0" err="1"/>
-              <a:t>java.util.Deque</a:t>
-            </a:r>
-            <a:r>
-              <a:rPr lang="ru-RU" dirty="0"/>
-              <a:t> можно привести класс </a:t>
-            </a:r>
-            <a:r>
-              <a:rPr lang="ru-RU" dirty="0" err="1"/>
-              <a:t>java.util.ArrayDeque</a:t>
-            </a:r>
-            <a:r>
-              <a:rPr lang="ru-RU" dirty="0"/>
-              <a:t>. То есть списки можно реализовать при помощи связанного списка и массива и очереди тоже можно реализовать при помощи массива или при помощи связанного списка.</a:t>
-            </a:r>
-          </a:p>
-          <a:p>
-            <a:pPr marL="0" indent="0">
-              <a:buNone/>
-            </a:pPr>
-            <a:r>
-              <a:rPr lang="ru-RU" dirty="0"/>
-              <a:t>Интерфейсы </a:t>
-            </a:r>
-            <a:r>
-              <a:rPr lang="ru-RU" dirty="0" err="1"/>
-              <a:t>Queue</a:t>
-            </a:r>
-            <a:r>
-              <a:rPr lang="ru-RU" dirty="0"/>
-              <a:t> и </a:t>
-            </a:r>
-            <a:r>
-              <a:rPr lang="ru-RU" dirty="0" err="1"/>
-              <a:t>Deque</a:t>
-            </a:r>
-            <a:r>
-              <a:rPr lang="ru-RU" dirty="0"/>
-              <a:t> имеют наследников, представляющих "блокирующую очередь": </a:t>
-            </a:r>
-            <a:r>
-              <a:rPr lang="ru-RU" dirty="0" err="1"/>
-              <a:t>BlockingQueue</a:t>
-            </a:r>
-            <a:r>
-              <a:rPr lang="ru-RU" dirty="0"/>
-              <a:t> и </a:t>
-            </a:r>
-            <a:r>
-              <a:rPr lang="ru-RU" dirty="0" err="1"/>
-              <a:t>BlockingDeque</a:t>
-            </a:r>
-            <a:r>
-              <a:rPr lang="ru-RU" dirty="0"/>
-              <a:t>.</a:t>
-            </a:r>
-            <a:endParaRPr lang="en-US" dirty="0"/>
-          </a:p>
-        </p:txBody>
-      </p:sp>
-    </p:spTree>
-    <p:extLst>
-      <p:ext uri="{BB962C8B-B14F-4D97-AF65-F5344CB8AC3E}">
-        <p14:creationId xmlns:p14="http://schemas.microsoft.com/office/powerpoint/2010/main" val="2739775521"/>
-      </p:ext>
-    </p:extLst>
-  </p:cSld>
-  <p:clrMapOvr>
-    <a:masterClrMapping/>
-  </p:clrMapOvr>
-</p:sld>
-</file>
-
-<file path=ppt/slides/slide25.xml><?xml version="1.0" encoding="utf-8"?>
-<p:sld xmlns:a="http://schemas.openxmlformats.org/drawingml/2006/main" xmlns:r="http://schemas.openxmlformats.org/officeDocument/2006/relationships" xmlns:p="http://schemas.openxmlformats.org/presentationml/2006/main">
-  <p:cSld>
-    <p:spTree>
-      <p:nvGrpSpPr>
-        <p:cNvPr id="1" name=""/>
-        <p:cNvGrpSpPr/>
-        <p:nvPr/>
-      </p:nvGrpSpPr>
-      <p:grpSpPr>
-        <a:xfrm>
-          <a:off x="0" y="0"/>
-          <a:ext cx="0" cy="0"/>
-          <a:chOff x="0" y="0"/>
-          <a:chExt cx="0" cy="0"/>
-        </a:xfrm>
-      </p:grpSpPr>
-      <p:sp>
-        <p:nvSpPr>
-          <p:cNvPr id="2" name="Title 1">
-            <a:extLst>
-              <a:ext uri="{FF2B5EF4-FFF2-40B4-BE49-F238E27FC236}">
-                <a16:creationId xmlns:a16="http://schemas.microsoft.com/office/drawing/2014/main" id="{206379FE-0AFF-439A-909A-003D0F08F580}"/>
-              </a:ext>
-            </a:extLst>
-          </p:cNvPr>
-          <p:cNvSpPr>
-            <a:spLocks noGrp="1"/>
-          </p:cNvSpPr>
-          <p:nvPr>
-            <p:ph type="title"/>
-          </p:nvPr>
-        </p:nvSpPr>
-        <p:spPr/>
-        <p:txBody>
-          <a:bodyPr/>
-          <a:lstStyle/>
-          <a:p>
-            <a:r>
-              <a:rPr lang="en-US" dirty="0" err="1"/>
-              <a:t>java.util.Deque</a:t>
-            </a:r>
-            <a:endParaRPr lang="en-US" dirty="0"/>
-          </a:p>
-        </p:txBody>
-      </p:sp>
-      <p:sp>
-        <p:nvSpPr>
-          <p:cNvPr id="3" name="Content Placeholder 2">
-            <a:extLst>
-              <a:ext uri="{FF2B5EF4-FFF2-40B4-BE49-F238E27FC236}">
-                <a16:creationId xmlns:a16="http://schemas.microsoft.com/office/drawing/2014/main" id="{1B832B9F-E5F3-40F0-8477-AE086AD43184}"/>
-              </a:ext>
-            </a:extLst>
-          </p:cNvPr>
-          <p:cNvSpPr>
-            <a:spLocks noGrp="1"/>
-          </p:cNvSpPr>
-          <p:nvPr>
-            <p:ph idx="1"/>
-          </p:nvPr>
-        </p:nvSpPr>
-        <p:spPr/>
-        <p:txBody>
-          <a:bodyPr/>
-          <a:lstStyle/>
-          <a:p>
-            <a:pPr marL="0" indent="0">
-              <a:buNone/>
-            </a:pPr>
-            <a:r>
-              <a:rPr lang="ru-RU" dirty="0"/>
-              <a:t>Давайте посмотрим на какие-нибудь примеры блокирующих очередей.</a:t>
-            </a:r>
-          </a:p>
-          <a:p>
-            <a:pPr marL="0" indent="0">
-              <a:buNone/>
-            </a:pPr>
-            <a:r>
-              <a:rPr lang="ru-RU" dirty="0" err="1"/>
-              <a:t>BlockingQueue</a:t>
-            </a:r>
-            <a:r>
-              <a:rPr lang="ru-RU" dirty="0"/>
-              <a:t> реализуют: </a:t>
-            </a:r>
-            <a:r>
-              <a:rPr lang="ru-RU" dirty="0" err="1"/>
-              <a:t>PriorityBlockingQueue</a:t>
-            </a:r>
-            <a:r>
-              <a:rPr lang="ru-RU" dirty="0"/>
-              <a:t>, </a:t>
-            </a:r>
-            <a:r>
-              <a:rPr lang="ru-RU" dirty="0" err="1"/>
-              <a:t>SynchronousQueue</a:t>
-            </a:r>
-            <a:r>
-              <a:rPr lang="ru-RU" dirty="0"/>
-              <a:t>, </a:t>
-            </a:r>
-            <a:r>
-              <a:rPr lang="ru-RU" dirty="0" err="1"/>
-              <a:t>ArrayBlockingQueue</a:t>
-            </a:r>
-            <a:r>
-              <a:rPr lang="ru-RU" dirty="0"/>
-              <a:t>, </a:t>
-            </a:r>
-            <a:r>
-              <a:rPr lang="ru-RU" dirty="0" err="1"/>
-              <a:t>DelayQueue</a:t>
-            </a:r>
-            <a:r>
-              <a:rPr lang="ru-RU" dirty="0"/>
-              <a:t>, </a:t>
-            </a:r>
-            <a:r>
-              <a:rPr lang="ru-RU" dirty="0" err="1"/>
-              <a:t>LinkedBlockingQueue</a:t>
-            </a:r>
-            <a:r>
-              <a:rPr lang="ru-RU" dirty="0"/>
-              <a:t>.</a:t>
-            </a:r>
-          </a:p>
-          <a:p>
-            <a:pPr marL="0" indent="0">
-              <a:buNone/>
-            </a:pPr>
-            <a:r>
-              <a:rPr lang="ru-RU" dirty="0"/>
-              <a:t>А вот </a:t>
-            </a:r>
-            <a:r>
-              <a:rPr lang="ru-RU" dirty="0" err="1"/>
-              <a:t>BlockingDeque</a:t>
-            </a:r>
-            <a:r>
-              <a:rPr lang="ru-RU" dirty="0"/>
-              <a:t> реализуют из стандартного Collection </a:t>
-            </a:r>
-            <a:r>
-              <a:rPr lang="ru-RU" dirty="0" err="1"/>
-              <a:t>Frameworks</a:t>
-            </a:r>
-            <a:r>
-              <a:rPr lang="ru-RU" dirty="0"/>
-              <a:t> всего </a:t>
-            </a:r>
-            <a:r>
-              <a:rPr lang="ru-RU" dirty="0" err="1"/>
-              <a:t>LinkedBlockingDeque</a:t>
-            </a:r>
-            <a:r>
-              <a:rPr lang="ru-RU" dirty="0"/>
-              <a:t>. Каждая очередь может быть использована для решения различного рода задач многопоточного программирования, но сегодня это не входит в рамки нашей лекции.</a:t>
-            </a:r>
-            <a:endParaRPr lang="en-US" dirty="0"/>
-          </a:p>
-        </p:txBody>
-      </p:sp>
-    </p:spTree>
-    <p:extLst>
-      <p:ext uri="{BB962C8B-B14F-4D97-AF65-F5344CB8AC3E}">
-        <p14:creationId xmlns:p14="http://schemas.microsoft.com/office/powerpoint/2010/main" val="3012047701"/>
-      </p:ext>
-    </p:extLst>
-  </p:cSld>
-  <p:clrMapOvr>
-    <a:masterClrMapping/>
-  </p:clrMapOvr>
-</p:sld>
-</file>
-
 <file path=ppt/slides/slide26.xml><?xml version="1.0" encoding="utf-8"?>
 <p:sld xmlns:a="http://schemas.openxmlformats.org/drawingml/2006/main" xmlns:r="http://schemas.openxmlformats.org/officeDocument/2006/relationships" xmlns:p="http://schemas.openxmlformats.org/presentationml/2006/main">
   <p:cSld>
@@ -5972,7 +5861,7 @@
           <p:cNvPr id="2" name="Title 1">
             <a:extLst>
               <a:ext uri="{FF2B5EF4-FFF2-40B4-BE49-F238E27FC236}">
-                <a16:creationId xmlns:a16="http://schemas.microsoft.com/office/drawing/2014/main" id="{2077B4C2-089D-442E-80AC-16468296D00B}"/>
+                <a16:creationId xmlns:a16="http://schemas.microsoft.com/office/drawing/2014/main" id="{0A010EAC-E34F-4F1A-B04E-A260291A0C4A}"/>
               </a:ext>
             </a:extLst>
           </p:cNvPr>
@@ -5990,7 +5879,7 @@
           <a:p>
             <a:r>
               <a:rPr lang="en-US" dirty="0" err="1"/>
-              <a:t>java.util.Set</a:t>
+              <a:t>java.util.Deque</a:t>
             </a:r>
             <a:endParaRPr lang="en-US" dirty="0"/>
           </a:p>
@@ -6001,7 +5890,7 @@
           <p:cNvPr id="3" name="Content Placeholder 2">
             <a:extLst>
               <a:ext uri="{FF2B5EF4-FFF2-40B4-BE49-F238E27FC236}">
-                <a16:creationId xmlns:a16="http://schemas.microsoft.com/office/drawing/2014/main" id="{6DED4FD8-852D-48B8-ADE6-E1464971409A}"/>
+                <a16:creationId xmlns:a16="http://schemas.microsoft.com/office/drawing/2014/main" id="{55CAEB5F-31FE-4653-B8DB-581B3A7DC6D3}"/>
               </a:ext>
             </a:extLst>
           </p:cNvPr>
@@ -6014,7 +5903,9 @@
         </p:nvSpPr>
         <p:spPr/>
         <p:txBody>
-          <a:bodyPr/>
+          <a:bodyPr>
+            <a:normAutofit/>
+          </a:bodyPr>
           <a:lstStyle/>
           <a:p>
             <a:pPr marL="0" indent="0">
@@ -6022,68 +5913,82 @@
             </a:pPr>
             <a:r>
               <a:rPr lang="ru-RU" dirty="0"/>
-              <a:t>Лучше давайте добавим ещё одну ветвь иерархии Collection </a:t>
+              <a:t>У интерфейса очереди есть так же полезный наследник — </a:t>
             </a:r>
             <a:r>
               <a:rPr lang="ru-RU" dirty="0" err="1"/>
-              <a:t>Framework’a</a:t>
-            </a:r>
-            <a:r>
-              <a:rPr lang="ru-RU" dirty="0"/>
-              <a:t> — </a:t>
+              <a:t>Deque</a:t>
+            </a:r>
+            <a:r>
+              <a:rPr lang="ru-RU" dirty="0"/>
+              <a:t>. Это так называемая "двусторонняя очередь". То есть такая очередь позволяет использовать эту структуру как с начала, так и с конца.</a:t>
+            </a:r>
+          </a:p>
+          <a:p>
+            <a:pPr marL="0" indent="0">
+              <a:buNone/>
+            </a:pPr>
+            <a:r>
+              <a:rPr lang="ru-RU" dirty="0"/>
+              <a:t>В качестве реализации </a:t>
             </a:r>
             <a:r>
               <a:rPr lang="ru-RU" dirty="0" err="1"/>
-              <a:t>Set</a:t>
+              <a:t>java.util.Deque</a:t>
+            </a:r>
+            <a:r>
+              <a:rPr lang="ru-RU" dirty="0"/>
+              <a:t> можно привести класс </a:t>
+            </a:r>
+            <a:r>
+              <a:rPr lang="ru-RU" dirty="0" err="1"/>
+              <a:t>java.util.ArrayDeque</a:t>
+            </a:r>
+            <a:r>
+              <a:rPr lang="ru-RU" dirty="0"/>
+              <a:t>. То есть списки можно реализовать при помощи связанного списка и массива и очереди тоже можно реализовать при помощи массива или при помощи связанного списка.</a:t>
+            </a:r>
+          </a:p>
+          <a:p>
+            <a:pPr marL="0" indent="0">
+              <a:buNone/>
+            </a:pPr>
+            <a:r>
+              <a:rPr lang="ru-RU" dirty="0"/>
+              <a:t>Интерфейсы </a:t>
+            </a:r>
+            <a:r>
+              <a:rPr lang="ru-RU" dirty="0" err="1"/>
+              <a:t>Queue</a:t>
+            </a:r>
+            <a:r>
+              <a:rPr lang="ru-RU" dirty="0"/>
+              <a:t> и </a:t>
+            </a:r>
+            <a:r>
+              <a:rPr lang="ru-RU" dirty="0" err="1"/>
+              <a:t>Deque</a:t>
+            </a:r>
+            <a:r>
+              <a:rPr lang="ru-RU" dirty="0"/>
+              <a:t> имеют наследников, представляющих "блокирующую очередь": </a:t>
+            </a:r>
+            <a:r>
+              <a:rPr lang="ru-RU" dirty="0" err="1"/>
+              <a:t>BlockingQueue</a:t>
+            </a:r>
+            <a:r>
+              <a:rPr lang="ru-RU" dirty="0"/>
+              <a:t> и </a:t>
+            </a:r>
+            <a:r>
+              <a:rPr lang="ru-RU" dirty="0" err="1"/>
+              <a:t>BlockingDeque</a:t>
             </a:r>
             <a:r>
               <a:rPr lang="ru-RU" dirty="0"/>
               <a:t>.</a:t>
             </a:r>
-          </a:p>
-          <a:p>
-            <a:pPr marL="0" indent="0">
-              <a:buNone/>
-            </a:pPr>
-            <a:r>
-              <a:rPr lang="ru-RU" dirty="0"/>
-              <a:t>От очереди и списка </a:t>
-            </a:r>
-            <a:r>
-              <a:rPr lang="ru-RU" dirty="0" err="1"/>
-              <a:t>Set</a:t>
-            </a:r>
-            <a:r>
-              <a:rPr lang="ru-RU" dirty="0"/>
-              <a:t> отличается большей абстракцией над хранением элементов. </a:t>
-            </a:r>
-            <a:r>
-              <a:rPr lang="ru-RU" dirty="0" err="1"/>
-              <a:t>Set</a:t>
-            </a:r>
-            <a:r>
-              <a:rPr lang="ru-RU" dirty="0"/>
-              <a:t> — как мешок с предметами, где неизвестно, как лежат предметы и в каком порядке они легли.</a:t>
-            </a:r>
-          </a:p>
-          <a:p>
-            <a:pPr marL="0" indent="0">
-              <a:buNone/>
-            </a:pPr>
-            <a:r>
-              <a:rPr lang="ru-RU" dirty="0"/>
-              <a:t>В Java такой набор представлен интерфейсом </a:t>
-            </a:r>
-            <a:r>
-              <a:rPr lang="ru-RU" dirty="0" err="1"/>
-              <a:t>java.util.Set</a:t>
-            </a:r>
-            <a:r>
-              <a:rPr lang="ru-RU" dirty="0"/>
-              <a:t>.</a:t>
-            </a:r>
-          </a:p>
-          <a:p>
             <a:endParaRPr lang="en-US" dirty="0"/>
           </a:p>
         </p:txBody>
@@ -6091,7 +5996,7 @@
     </p:spTree>
     <p:extLst>
       <p:ext uri="{BB962C8B-B14F-4D97-AF65-F5344CB8AC3E}">
-        <p14:creationId xmlns:p14="http://schemas.microsoft.com/office/powerpoint/2010/main" val="3271635363"/>
+        <p14:creationId xmlns:p14="http://schemas.microsoft.com/office/powerpoint/2010/main" val="2739775521"/>
       </p:ext>
     </p:extLst>
   </p:cSld>
@@ -6123,6 +6028,334 @@
           <p:cNvPr id="2" name="Title 1">
             <a:extLst>
               <a:ext uri="{FF2B5EF4-FFF2-40B4-BE49-F238E27FC236}">
+                <a16:creationId xmlns:a16="http://schemas.microsoft.com/office/drawing/2014/main" id="{206379FE-0AFF-439A-909A-003D0F08F580}"/>
+              </a:ext>
+            </a:extLst>
+          </p:cNvPr>
+          <p:cNvSpPr>
+            <a:spLocks noGrp="1"/>
+          </p:cNvSpPr>
+          <p:nvPr>
+            <p:ph type="title"/>
+          </p:nvPr>
+        </p:nvSpPr>
+        <p:spPr/>
+        <p:txBody>
+          <a:bodyPr/>
+          <a:lstStyle/>
+          <a:p>
+            <a:r>
+              <a:rPr lang="en-US" dirty="0" err="1"/>
+              <a:t>java.util.Deque</a:t>
+            </a:r>
+            <a:endParaRPr lang="en-US" dirty="0"/>
+          </a:p>
+        </p:txBody>
+      </p:sp>
+      <p:sp>
+        <p:nvSpPr>
+          <p:cNvPr id="3" name="Content Placeholder 2">
+            <a:extLst>
+              <a:ext uri="{FF2B5EF4-FFF2-40B4-BE49-F238E27FC236}">
+                <a16:creationId xmlns:a16="http://schemas.microsoft.com/office/drawing/2014/main" id="{1B832B9F-E5F3-40F0-8477-AE086AD43184}"/>
+              </a:ext>
+            </a:extLst>
+          </p:cNvPr>
+          <p:cNvSpPr>
+            <a:spLocks noGrp="1"/>
+          </p:cNvSpPr>
+          <p:nvPr>
+            <p:ph idx="1"/>
+          </p:nvPr>
+        </p:nvSpPr>
+        <p:spPr/>
+        <p:txBody>
+          <a:bodyPr/>
+          <a:lstStyle/>
+          <a:p>
+            <a:pPr marL="0" indent="0">
+              <a:buNone/>
+            </a:pPr>
+            <a:r>
+              <a:rPr lang="ru-RU" dirty="0"/>
+              <a:t>Давайте посмотрим на какие-нибудь примеры блокирующих очередей.</a:t>
+            </a:r>
+          </a:p>
+          <a:p>
+            <a:pPr marL="0" indent="0">
+              <a:buNone/>
+            </a:pPr>
+            <a:r>
+              <a:rPr lang="ru-RU" dirty="0" err="1"/>
+              <a:t>BlockingQueue</a:t>
+            </a:r>
+            <a:r>
+              <a:rPr lang="ru-RU" dirty="0"/>
+              <a:t> реализуют: </a:t>
+            </a:r>
+            <a:r>
+              <a:rPr lang="ru-RU" dirty="0" err="1"/>
+              <a:t>PriorityBlockingQueue</a:t>
+            </a:r>
+            <a:r>
+              <a:rPr lang="ru-RU" dirty="0"/>
+              <a:t>, </a:t>
+            </a:r>
+            <a:r>
+              <a:rPr lang="ru-RU" dirty="0" err="1"/>
+              <a:t>SynchronousQueue</a:t>
+            </a:r>
+            <a:r>
+              <a:rPr lang="ru-RU" dirty="0"/>
+              <a:t>, </a:t>
+            </a:r>
+            <a:r>
+              <a:rPr lang="ru-RU" dirty="0" err="1"/>
+              <a:t>ArrayBlockingQueue</a:t>
+            </a:r>
+            <a:r>
+              <a:rPr lang="ru-RU" dirty="0"/>
+              <a:t>, </a:t>
+            </a:r>
+            <a:r>
+              <a:rPr lang="ru-RU" dirty="0" err="1"/>
+              <a:t>DelayQueue</a:t>
+            </a:r>
+            <a:r>
+              <a:rPr lang="ru-RU" dirty="0"/>
+              <a:t>, </a:t>
+            </a:r>
+            <a:r>
+              <a:rPr lang="ru-RU" dirty="0" err="1"/>
+              <a:t>LinkedBlockingQueue</a:t>
+            </a:r>
+            <a:r>
+              <a:rPr lang="ru-RU" dirty="0"/>
+              <a:t>.</a:t>
+            </a:r>
+          </a:p>
+          <a:p>
+            <a:pPr marL="0" indent="0">
+              <a:buNone/>
+            </a:pPr>
+            <a:r>
+              <a:rPr lang="ru-RU" dirty="0"/>
+              <a:t>А вот </a:t>
+            </a:r>
+            <a:r>
+              <a:rPr lang="ru-RU" dirty="0" err="1"/>
+              <a:t>BlockingDeque</a:t>
+            </a:r>
+            <a:r>
+              <a:rPr lang="ru-RU" dirty="0"/>
+              <a:t> реализуют из стандартного Collection </a:t>
+            </a:r>
+            <a:r>
+              <a:rPr lang="ru-RU" dirty="0" err="1"/>
+              <a:t>Frameworks</a:t>
+            </a:r>
+            <a:r>
+              <a:rPr lang="ru-RU" dirty="0"/>
+              <a:t> всего </a:t>
+            </a:r>
+            <a:r>
+              <a:rPr lang="ru-RU" dirty="0" err="1"/>
+              <a:t>LinkedBlockingDeque</a:t>
+            </a:r>
+            <a:r>
+              <a:rPr lang="ru-RU" dirty="0"/>
+              <a:t>. Каждая очередь может быть использована для решения различного рода задач многопоточного программирования, но сегодня это не входит в рамки нашей лекции.</a:t>
+            </a:r>
+            <a:endParaRPr lang="en-US" dirty="0"/>
+          </a:p>
+        </p:txBody>
+      </p:sp>
+    </p:spTree>
+    <p:extLst>
+      <p:ext uri="{BB962C8B-B14F-4D97-AF65-F5344CB8AC3E}">
+        <p14:creationId xmlns:p14="http://schemas.microsoft.com/office/powerpoint/2010/main" val="3012047701"/>
+      </p:ext>
+    </p:extLst>
+  </p:cSld>
+  <p:clrMapOvr>
+    <a:masterClrMapping/>
+  </p:clrMapOvr>
+</p:sld>
+</file>
+
+<file path=ppt/slides/slide28.xml><?xml version="1.0" encoding="utf-8"?>
+<p:sld xmlns:a="http://schemas.openxmlformats.org/drawingml/2006/main" xmlns:r="http://schemas.openxmlformats.org/officeDocument/2006/relationships" xmlns:p="http://schemas.openxmlformats.org/presentationml/2006/main">
+  <p:cSld>
+    <p:spTree>
+      <p:nvGrpSpPr>
+        <p:cNvPr id="1" name=""/>
+        <p:cNvGrpSpPr/>
+        <p:nvPr/>
+      </p:nvGrpSpPr>
+      <p:grpSpPr>
+        <a:xfrm>
+          <a:off x="0" y="0"/>
+          <a:ext cx="0" cy="0"/>
+          <a:chOff x="0" y="0"/>
+          <a:chExt cx="0" cy="0"/>
+        </a:xfrm>
+      </p:grpSpPr>
+      <p:sp>
+        <p:nvSpPr>
+          <p:cNvPr id="2" name="Title 1">
+            <a:extLst>
+              <a:ext uri="{FF2B5EF4-FFF2-40B4-BE49-F238E27FC236}">
+                <a16:creationId xmlns:a16="http://schemas.microsoft.com/office/drawing/2014/main" id="{2077B4C2-089D-442E-80AC-16468296D00B}"/>
+              </a:ext>
+            </a:extLst>
+          </p:cNvPr>
+          <p:cNvSpPr>
+            <a:spLocks noGrp="1"/>
+          </p:cNvSpPr>
+          <p:nvPr>
+            <p:ph type="title"/>
+          </p:nvPr>
+        </p:nvSpPr>
+        <p:spPr/>
+        <p:txBody>
+          <a:bodyPr/>
+          <a:lstStyle/>
+          <a:p>
+            <a:r>
+              <a:rPr lang="en-US" dirty="0" err="1"/>
+              <a:t>java.util.Set</a:t>
+            </a:r>
+            <a:endParaRPr lang="en-US" dirty="0"/>
+          </a:p>
+        </p:txBody>
+      </p:sp>
+      <p:sp>
+        <p:nvSpPr>
+          <p:cNvPr id="3" name="Content Placeholder 2">
+            <a:extLst>
+              <a:ext uri="{FF2B5EF4-FFF2-40B4-BE49-F238E27FC236}">
+                <a16:creationId xmlns:a16="http://schemas.microsoft.com/office/drawing/2014/main" id="{6DED4FD8-852D-48B8-ADE6-E1464971409A}"/>
+              </a:ext>
+            </a:extLst>
+          </p:cNvPr>
+          <p:cNvSpPr>
+            <a:spLocks noGrp="1"/>
+          </p:cNvSpPr>
+          <p:nvPr>
+            <p:ph idx="1"/>
+          </p:nvPr>
+        </p:nvSpPr>
+        <p:spPr/>
+        <p:txBody>
+          <a:bodyPr/>
+          <a:lstStyle/>
+          <a:p>
+            <a:pPr marL="0" indent="0">
+              <a:buNone/>
+            </a:pPr>
+            <a:r>
+              <a:rPr lang="ru-RU" dirty="0"/>
+              <a:t>Лучше давайте добавим ещё одну ветвь иерархии Collection </a:t>
+            </a:r>
+            <a:r>
+              <a:rPr lang="ru-RU" dirty="0" err="1"/>
+              <a:t>Framework’a</a:t>
+            </a:r>
+            <a:r>
+              <a:rPr lang="ru-RU" dirty="0"/>
+              <a:t> — </a:t>
+            </a:r>
+            <a:r>
+              <a:rPr lang="ru-RU" dirty="0" err="1"/>
+              <a:t>Set</a:t>
+            </a:r>
+            <a:r>
+              <a:rPr lang="ru-RU" dirty="0"/>
+              <a:t>.</a:t>
+            </a:r>
+          </a:p>
+          <a:p>
+            <a:pPr marL="0" indent="0">
+              <a:buNone/>
+            </a:pPr>
+            <a:r>
+              <a:rPr lang="ru-RU" dirty="0"/>
+              <a:t>От очереди и списка </a:t>
+            </a:r>
+            <a:r>
+              <a:rPr lang="ru-RU" dirty="0" err="1"/>
+              <a:t>Set</a:t>
+            </a:r>
+            <a:r>
+              <a:rPr lang="ru-RU" dirty="0"/>
+              <a:t> отличается большей абстракцией над хранением элементов. </a:t>
+            </a:r>
+            <a:r>
+              <a:rPr lang="ru-RU" dirty="0" err="1"/>
+              <a:t>Set</a:t>
+            </a:r>
+            <a:r>
+              <a:rPr lang="ru-RU" dirty="0"/>
+              <a:t> — как мешок с предметами, где неизвестно, как лежат предметы и в каком порядке они легли.</a:t>
+            </a:r>
+          </a:p>
+          <a:p>
+            <a:pPr marL="0" indent="0">
+              <a:buNone/>
+            </a:pPr>
+            <a:r>
+              <a:rPr lang="ru-RU" dirty="0"/>
+              <a:t>В Java такой набор представлен интерфейсом </a:t>
+            </a:r>
+            <a:r>
+              <a:rPr lang="ru-RU" dirty="0" err="1"/>
+              <a:t>java.util.Set</a:t>
+            </a:r>
+            <a:r>
+              <a:rPr lang="ru-RU" dirty="0"/>
+              <a:t>.</a:t>
+            </a:r>
+          </a:p>
+          <a:p>
+            <a:endParaRPr lang="en-US" dirty="0"/>
+          </a:p>
+        </p:txBody>
+      </p:sp>
+    </p:spTree>
+    <p:extLst>
+      <p:ext uri="{BB962C8B-B14F-4D97-AF65-F5344CB8AC3E}">
+        <p14:creationId xmlns:p14="http://schemas.microsoft.com/office/powerpoint/2010/main" val="3271635363"/>
+      </p:ext>
+    </p:extLst>
+  </p:cSld>
+  <p:clrMapOvr>
+    <a:masterClrMapping/>
+  </p:clrMapOvr>
+</p:sld>
+</file>
+
+<file path=ppt/slides/slide29.xml><?xml version="1.0" encoding="utf-8"?>
+<p:sld xmlns:a="http://schemas.openxmlformats.org/drawingml/2006/main" xmlns:r="http://schemas.openxmlformats.org/officeDocument/2006/relationships" xmlns:p="http://schemas.openxmlformats.org/presentationml/2006/main">
+  <p:cSld>
+    <p:spTree>
+      <p:nvGrpSpPr>
+        <p:cNvPr id="1" name=""/>
+        <p:cNvGrpSpPr/>
+        <p:nvPr/>
+      </p:nvGrpSpPr>
+      <p:grpSpPr>
+        <a:xfrm>
+          <a:off x="0" y="0"/>
+          <a:ext cx="0" cy="0"/>
+          <a:chOff x="0" y="0"/>
+          <a:chExt cx="0" cy="0"/>
+        </a:xfrm>
+      </p:grpSpPr>
+      <p:sp>
+        <p:nvSpPr>
+          <p:cNvPr id="2" name="Title 1">
+            <a:extLst>
+              <a:ext uri="{FF2B5EF4-FFF2-40B4-BE49-F238E27FC236}">
                 <a16:creationId xmlns:a16="http://schemas.microsoft.com/office/drawing/2014/main" id="{FEF469A8-0FBA-4161-AB38-230C1BC1238E}"/>
               </a:ext>
             </a:extLst>
@@ -6252,7 +6485,148 @@
 </p:sld>
 </file>
 
-<file path=ppt/slides/slide28.xml><?xml version="1.0" encoding="utf-8"?>
+<file path=ppt/slides/slide3.xml><?xml version="1.0" encoding="utf-8"?>
+<p:sld xmlns:a="http://schemas.openxmlformats.org/drawingml/2006/main" xmlns:r="http://schemas.openxmlformats.org/officeDocument/2006/relationships" xmlns:p="http://schemas.openxmlformats.org/presentationml/2006/main">
+  <p:cSld>
+    <p:spTree>
+      <p:nvGrpSpPr>
+        <p:cNvPr id="1" name=""/>
+        <p:cNvGrpSpPr/>
+        <p:nvPr/>
+      </p:nvGrpSpPr>
+      <p:grpSpPr>
+        <a:xfrm>
+          <a:off x="0" y="0"/>
+          <a:ext cx="0" cy="0"/>
+          <a:chOff x="0" y="0"/>
+          <a:chExt cx="0" cy="0"/>
+        </a:xfrm>
+      </p:grpSpPr>
+      <p:sp>
+        <p:nvSpPr>
+          <p:cNvPr id="2" name="Title 1">
+            <a:extLst>
+              <a:ext uri="{FF2B5EF4-FFF2-40B4-BE49-F238E27FC236}">
+                <a16:creationId xmlns:a16="http://schemas.microsoft.com/office/drawing/2014/main" id="{63747CCB-6BD1-44E4-A482-7DDD19795C9D}"/>
+              </a:ext>
+            </a:extLst>
+          </p:cNvPr>
+          <p:cNvSpPr>
+            <a:spLocks noGrp="1"/>
+          </p:cNvSpPr>
+          <p:nvPr>
+            <p:ph type="title"/>
+          </p:nvPr>
+        </p:nvSpPr>
+        <p:spPr/>
+        <p:txBody>
+          <a:bodyPr/>
+          <a:lstStyle/>
+          <a:p>
+            <a:pPr algn="l"/>
+            <a:r>
+              <a:rPr lang="ru-RU" b="1" i="0" dirty="0">
+                <a:solidFill>
+                  <a:srgbClr val="212529"/>
+                </a:solidFill>
+                <a:effectLst/>
+                <a:latin typeface="Onest"/>
+              </a:rPr>
+              <a:t>Спецификация </a:t>
+            </a:r>
+            <a:r>
+              <a:rPr lang="en-US" b="1" i="0" dirty="0">
+                <a:solidFill>
+                  <a:srgbClr val="212529"/>
+                </a:solidFill>
+                <a:effectLst/>
+                <a:latin typeface="Onest"/>
+              </a:rPr>
+              <a:t>JVM</a:t>
+            </a:r>
+            <a:endParaRPr lang="en-US" b="0" i="0" dirty="0">
+              <a:solidFill>
+                <a:srgbClr val="212529"/>
+              </a:solidFill>
+              <a:effectLst/>
+              <a:latin typeface="Onest"/>
+            </a:endParaRPr>
+          </a:p>
+        </p:txBody>
+      </p:sp>
+      <p:sp>
+        <p:nvSpPr>
+          <p:cNvPr id="3" name="Content Placeholder 2">
+            <a:extLst>
+              <a:ext uri="{FF2B5EF4-FFF2-40B4-BE49-F238E27FC236}">
+                <a16:creationId xmlns:a16="http://schemas.microsoft.com/office/drawing/2014/main" id="{C6F433BB-1C85-4CC3-92B5-41790E0F81A9}"/>
+              </a:ext>
+            </a:extLst>
+          </p:cNvPr>
+          <p:cNvSpPr>
+            <a:spLocks noGrp="1"/>
+          </p:cNvSpPr>
+          <p:nvPr>
+            <p:ph idx="1"/>
+          </p:nvPr>
+        </p:nvSpPr>
+        <p:spPr/>
+        <p:txBody>
+          <a:bodyPr>
+            <a:normAutofit lnSpcReduction="10000"/>
+          </a:bodyPr>
+          <a:lstStyle/>
+          <a:p>
+            <a:pPr marL="0" indent="0">
+              <a:buNone/>
+            </a:pPr>
+            <a:r>
+              <a:rPr lang="ru-RU" dirty="0"/>
+              <a:t>Первая часть JVM — </a:t>
+            </a:r>
+            <a:r>
+              <a:rPr lang="ru-RU" b="1" dirty="0"/>
+              <a:t>спецификация</a:t>
+            </a:r>
+            <a:r>
+              <a:rPr lang="ru-RU" dirty="0"/>
+              <a:t>, которая до конца не определяет все детали реализации виртуальной машины. Это значит, что остается максимальная свобода творчества для разработчика, который работает с ней. Чтобы правильно реализовать виртуальную машину Java, вам нужно всего лишь уметь читать </a:t>
+            </a:r>
+            <a:r>
+              <a:rPr lang="ru-RU" dirty="0" err="1"/>
+              <a:t>class</a:t>
+            </a:r>
+            <a:r>
+              <a:rPr lang="ru-RU" dirty="0"/>
+              <a:t>-файлы и правильно выполнять указанные в них операции.</a:t>
+            </a:r>
+          </a:p>
+          <a:p>
+            <a:pPr marL="0" indent="0">
+              <a:buNone/>
+            </a:pPr>
+            <a:r>
+              <a:rPr lang="ru-RU" dirty="0"/>
+              <a:t>Итак, все, что должна делать JVM — правильно запускать Java-программы. Это может показаться достаточно простым процессом, однако это очень масштабная задача, учитывая мощность и гибкость языка Java.</a:t>
+            </a:r>
+            <a:endParaRPr lang="en-US" dirty="0"/>
+          </a:p>
+        </p:txBody>
+      </p:sp>
+    </p:spTree>
+    <p:extLst>
+      <p:ext uri="{BB962C8B-B14F-4D97-AF65-F5344CB8AC3E}">
+        <p14:creationId xmlns:p14="http://schemas.microsoft.com/office/powerpoint/2010/main" val="2656069973"/>
+      </p:ext>
+    </p:extLst>
+  </p:cSld>
+  <p:clrMapOvr>
+    <a:masterClrMapping/>
+  </p:clrMapOvr>
+</p:sld>
+</file>
+
+<file path=ppt/slides/slide30.xml><?xml version="1.0" encoding="utf-8"?>
 <p:sld xmlns:a="http://schemas.openxmlformats.org/drawingml/2006/main" xmlns:r="http://schemas.openxmlformats.org/officeDocument/2006/relationships" xmlns:p="http://schemas.openxmlformats.org/presentationml/2006/main">
   <p:cSld>
     <p:spTree>
@@ -6310,7 +6684,7 @@
 </p:sld>
 </file>
 
-<file path=ppt/slides/slide29.xml><?xml version="1.0" encoding="utf-8"?>
+<file path=ppt/slides/slide31.xml><?xml version="1.0" encoding="utf-8"?>
 <p:sld xmlns:a="http://schemas.openxmlformats.org/drawingml/2006/main" xmlns:r="http://schemas.openxmlformats.org/officeDocument/2006/relationships" xmlns:p="http://schemas.openxmlformats.org/presentationml/2006/main">
   <p:cSld>
     <p:spTree>
@@ -6414,7 +6788,7 @@
 </p:sld>
 </file>
 
-<file path=ppt/slides/slide3.xml><?xml version="1.0" encoding="utf-8"?>
+<file path=ppt/slides/slide32.xml><?xml version="1.0" encoding="utf-8"?>
 <p:sld xmlns:a="http://schemas.openxmlformats.org/drawingml/2006/main" xmlns:r="http://schemas.openxmlformats.org/officeDocument/2006/relationships" xmlns:p="http://schemas.openxmlformats.org/presentationml/2006/main">
   <p:cSld>
     <p:spTree>
@@ -6436,147 +6810,6 @@
           <p:cNvPr id="2" name="Title 1">
             <a:extLst>
               <a:ext uri="{FF2B5EF4-FFF2-40B4-BE49-F238E27FC236}">
-                <a16:creationId xmlns:a16="http://schemas.microsoft.com/office/drawing/2014/main" id="{63747CCB-6BD1-44E4-A482-7DDD19795C9D}"/>
-              </a:ext>
-            </a:extLst>
-          </p:cNvPr>
-          <p:cNvSpPr>
-            <a:spLocks noGrp="1"/>
-          </p:cNvSpPr>
-          <p:nvPr>
-            <p:ph type="title"/>
-          </p:nvPr>
-        </p:nvSpPr>
-        <p:spPr/>
-        <p:txBody>
-          <a:bodyPr/>
-          <a:lstStyle/>
-          <a:p>
-            <a:pPr algn="l"/>
-            <a:r>
-              <a:rPr lang="ru-RU" b="1" i="0" dirty="0">
-                <a:solidFill>
-                  <a:srgbClr val="212529"/>
-                </a:solidFill>
-                <a:effectLst/>
-                <a:latin typeface="Onest"/>
-              </a:rPr>
-              <a:t>Спецификация </a:t>
-            </a:r>
-            <a:r>
-              <a:rPr lang="en-US" b="1" i="0" dirty="0">
-                <a:solidFill>
-                  <a:srgbClr val="212529"/>
-                </a:solidFill>
-                <a:effectLst/>
-                <a:latin typeface="Onest"/>
-              </a:rPr>
-              <a:t>JVM</a:t>
-            </a:r>
-            <a:endParaRPr lang="en-US" b="0" i="0" dirty="0">
-              <a:solidFill>
-                <a:srgbClr val="212529"/>
-              </a:solidFill>
-              <a:effectLst/>
-              <a:latin typeface="Onest"/>
-            </a:endParaRPr>
-          </a:p>
-        </p:txBody>
-      </p:sp>
-      <p:sp>
-        <p:nvSpPr>
-          <p:cNvPr id="3" name="Content Placeholder 2">
-            <a:extLst>
-              <a:ext uri="{FF2B5EF4-FFF2-40B4-BE49-F238E27FC236}">
-                <a16:creationId xmlns:a16="http://schemas.microsoft.com/office/drawing/2014/main" id="{C6F433BB-1C85-4CC3-92B5-41790E0F81A9}"/>
-              </a:ext>
-            </a:extLst>
-          </p:cNvPr>
-          <p:cNvSpPr>
-            <a:spLocks noGrp="1"/>
-          </p:cNvSpPr>
-          <p:nvPr>
-            <p:ph idx="1"/>
-          </p:nvPr>
-        </p:nvSpPr>
-        <p:spPr/>
-        <p:txBody>
-          <a:bodyPr>
-            <a:normAutofit lnSpcReduction="10000"/>
-          </a:bodyPr>
-          <a:lstStyle/>
-          <a:p>
-            <a:pPr marL="0" indent="0">
-              <a:buNone/>
-            </a:pPr>
-            <a:r>
-              <a:rPr lang="ru-RU" dirty="0"/>
-              <a:t>Первая часть JVM — </a:t>
-            </a:r>
-            <a:r>
-              <a:rPr lang="ru-RU" b="1" dirty="0"/>
-              <a:t>спецификация</a:t>
-            </a:r>
-            <a:r>
-              <a:rPr lang="ru-RU" dirty="0"/>
-              <a:t>, которая до конца не определяет все детали реализации виртуальной машины. Это значит, что остается максимальная свобода творчества для разработчика, который работает с ней. Чтобы правильно реализовать виртуальную машину Java, вам нужно всего лишь уметь читать </a:t>
-            </a:r>
-            <a:r>
-              <a:rPr lang="ru-RU" dirty="0" err="1"/>
-              <a:t>class</a:t>
-            </a:r>
-            <a:r>
-              <a:rPr lang="ru-RU" dirty="0"/>
-              <a:t>-файлы и правильно выполнять указанные в них операции.</a:t>
-            </a:r>
-          </a:p>
-          <a:p>
-            <a:pPr marL="0" indent="0">
-              <a:buNone/>
-            </a:pPr>
-            <a:r>
-              <a:rPr lang="ru-RU" dirty="0"/>
-              <a:t>Итак, все, что должна делать JVM — правильно запускать Java-программы. Это может показаться достаточно простым процессом, однако это очень масштабная задача, учитывая мощность и гибкость языка Java.</a:t>
-            </a:r>
-            <a:endParaRPr lang="en-US" dirty="0"/>
-          </a:p>
-        </p:txBody>
-      </p:sp>
-    </p:spTree>
-    <p:extLst>
-      <p:ext uri="{BB962C8B-B14F-4D97-AF65-F5344CB8AC3E}">
-        <p14:creationId xmlns:p14="http://schemas.microsoft.com/office/powerpoint/2010/main" val="2656069973"/>
-      </p:ext>
-    </p:extLst>
-  </p:cSld>
-  <p:clrMapOvr>
-    <a:masterClrMapping/>
-  </p:clrMapOvr>
-</p:sld>
-</file>
-
-<file path=ppt/slides/slide30.xml><?xml version="1.0" encoding="utf-8"?>
-<p:sld xmlns:a="http://schemas.openxmlformats.org/drawingml/2006/main" xmlns:r="http://schemas.openxmlformats.org/officeDocument/2006/relationships" xmlns:p="http://schemas.openxmlformats.org/presentationml/2006/main">
-  <p:cSld>
-    <p:spTree>
-      <p:nvGrpSpPr>
-        <p:cNvPr id="1" name=""/>
-        <p:cNvGrpSpPr/>
-        <p:nvPr/>
-      </p:nvGrpSpPr>
-      <p:grpSpPr>
-        <a:xfrm>
-          <a:off x="0" y="0"/>
-          <a:ext cx="0" cy="0"/>
-          <a:chOff x="0" y="0"/>
-          <a:chExt cx="0" cy="0"/>
-        </a:xfrm>
-      </p:grpSpPr>
-      <p:sp>
-        <p:nvSpPr>
-          <p:cNvPr id="2" name="Title 1">
-            <a:extLst>
-              <a:ext uri="{FF2B5EF4-FFF2-40B4-BE49-F238E27FC236}">
                 <a16:creationId xmlns:a16="http://schemas.microsoft.com/office/drawing/2014/main" id="{8F3FED79-24BA-4F50-A6DA-A4C1FED627BB}"/>
               </a:ext>
             </a:extLst>
@@ -6701,7 +6934,7 @@
 </p:sld>
 </file>
 
-<file path=ppt/slides/slide31.xml><?xml version="1.0" encoding="utf-8"?>
+<file path=ppt/slides/slide33.xml><?xml version="1.0" encoding="utf-8"?>
 <p:sld xmlns:a="http://schemas.openxmlformats.org/drawingml/2006/main" xmlns:r="http://schemas.openxmlformats.org/officeDocument/2006/relationships" xmlns:p="http://schemas.openxmlformats.org/presentationml/2006/main">
   <p:cSld>
     <p:spTree>
@@ -6759,260 +6992,6 @@
 </p:sld>
 </file>
 
-<file path=ppt/slides/slide32.xml><?xml version="1.0" encoding="utf-8"?>
-<p:sld xmlns:a="http://schemas.openxmlformats.org/drawingml/2006/main" xmlns:r="http://schemas.openxmlformats.org/officeDocument/2006/relationships" xmlns:p="http://schemas.openxmlformats.org/presentationml/2006/main">
-  <p:cSld>
-    <p:spTree>
-      <p:nvGrpSpPr>
-        <p:cNvPr id="1" name=""/>
-        <p:cNvGrpSpPr/>
-        <p:nvPr/>
-      </p:nvGrpSpPr>
-      <p:grpSpPr>
-        <a:xfrm>
-          <a:off x="0" y="0"/>
-          <a:ext cx="0" cy="0"/>
-          <a:chOff x="0" y="0"/>
-          <a:chExt cx="0" cy="0"/>
-        </a:xfrm>
-      </p:grpSpPr>
-      <p:sp>
-        <p:nvSpPr>
-          <p:cNvPr id="2" name="Title 1">
-            <a:extLst>
-              <a:ext uri="{FF2B5EF4-FFF2-40B4-BE49-F238E27FC236}">
-                <a16:creationId xmlns:a16="http://schemas.microsoft.com/office/drawing/2014/main" id="{7AC75150-BF0D-46DC-8E1D-549445CC5C9D}"/>
-              </a:ext>
-            </a:extLst>
-          </p:cNvPr>
-          <p:cNvSpPr>
-            <a:spLocks noGrp="1"/>
-          </p:cNvSpPr>
-          <p:nvPr>
-            <p:ph type="title"/>
-          </p:nvPr>
-        </p:nvSpPr>
-        <p:spPr/>
-        <p:txBody>
-          <a:bodyPr/>
-          <a:lstStyle/>
-          <a:p>
-            <a:r>
-              <a:rPr lang="ru-RU" dirty="0"/>
-              <a:t>Другие имплементации коллекций</a:t>
-            </a:r>
-            <a:endParaRPr lang="en-US" dirty="0"/>
-          </a:p>
-        </p:txBody>
-      </p:sp>
-      <p:sp>
-        <p:nvSpPr>
-          <p:cNvPr id="3" name="Content Placeholder 2">
-            <a:extLst>
-              <a:ext uri="{FF2B5EF4-FFF2-40B4-BE49-F238E27FC236}">
-                <a16:creationId xmlns:a16="http://schemas.microsoft.com/office/drawing/2014/main" id="{E21AC6A5-B99C-43E4-A84E-B9296DA82E08}"/>
-              </a:ext>
-            </a:extLst>
-          </p:cNvPr>
-          <p:cNvSpPr>
-            <a:spLocks noGrp="1"/>
-          </p:cNvSpPr>
-          <p:nvPr>
-            <p:ph idx="1"/>
-          </p:nvPr>
-        </p:nvSpPr>
-        <p:spPr/>
-        <p:txBody>
-          <a:bodyPr/>
-          <a:lstStyle/>
-          <a:p>
-            <a:pPr marL="0" indent="0">
-              <a:buNone/>
-            </a:pPr>
-            <a:r>
-              <a:rPr lang="ru-RU" dirty="0"/>
-              <a:t>При необходимости, разработчик может создать собственную реализацию, расширив или переопределив существующую логику, либо создав свою собственную реализацию подходящего интерфейса с нуля. Также существует некоторое количество готовых решений, которые являются альтернативой или дополнением к Java </a:t>
-            </a:r>
-            <a:r>
-              <a:rPr lang="ru-RU" dirty="0" err="1"/>
-              <a:t>Collections</a:t>
-            </a:r>
-            <a:r>
-              <a:rPr lang="ru-RU" dirty="0"/>
-              <a:t> Framework. Наиболее популярными являются </a:t>
-            </a:r>
-            <a:r>
-              <a:rPr lang="ru-RU" b="1" dirty="0"/>
-              <a:t>Google </a:t>
-            </a:r>
-            <a:r>
-              <a:rPr lang="ru-RU" b="1" dirty="0" err="1"/>
-              <a:t>Guava</a:t>
-            </a:r>
-            <a:r>
-              <a:rPr lang="ru-RU" dirty="0"/>
-              <a:t> и </a:t>
-            </a:r>
-            <a:r>
-              <a:rPr lang="ru-RU" b="1" dirty="0"/>
-              <a:t>Apache </a:t>
-            </a:r>
-            <a:r>
-              <a:rPr lang="ru-RU" b="1" dirty="0" err="1"/>
-              <a:t>Commons</a:t>
-            </a:r>
-            <a:r>
-              <a:rPr lang="ru-RU" b="1" dirty="0"/>
-              <a:t> </a:t>
-            </a:r>
-            <a:r>
-              <a:rPr lang="ru-RU" b="1" dirty="0" err="1"/>
-              <a:t>Collections</a:t>
-            </a:r>
-            <a:r>
-              <a:rPr lang="ru-RU" dirty="0"/>
-              <a:t>. (Эти пакеты выступают как </a:t>
-            </a:r>
-            <a:r>
-              <a:rPr lang="ru-RU" b="1" dirty="0" err="1"/>
-              <a:t>boost</a:t>
-            </a:r>
-            <a:r>
-              <a:rPr lang="ru-RU" dirty="0"/>
-              <a:t> для С++)</a:t>
-            </a:r>
-            <a:endParaRPr lang="en-US" dirty="0"/>
-          </a:p>
-        </p:txBody>
-      </p:sp>
-    </p:spTree>
-    <p:extLst>
-      <p:ext uri="{BB962C8B-B14F-4D97-AF65-F5344CB8AC3E}">
-        <p14:creationId xmlns:p14="http://schemas.microsoft.com/office/powerpoint/2010/main" val="138646488"/>
-      </p:ext>
-    </p:extLst>
-  </p:cSld>
-  <p:clrMapOvr>
-    <a:masterClrMapping/>
-  </p:clrMapOvr>
-</p:sld>
-</file>
-
-<file path=ppt/slides/slide33.xml><?xml version="1.0" encoding="utf-8"?>
-<p:sld xmlns:a="http://schemas.openxmlformats.org/drawingml/2006/main" xmlns:r="http://schemas.openxmlformats.org/officeDocument/2006/relationships" xmlns:p="http://schemas.openxmlformats.org/presentationml/2006/main">
-  <p:cSld>
-    <p:spTree>
-      <p:nvGrpSpPr>
-        <p:cNvPr id="1" name=""/>
-        <p:cNvGrpSpPr/>
-        <p:nvPr/>
-      </p:nvGrpSpPr>
-      <p:grpSpPr>
-        <a:xfrm>
-          <a:off x="0" y="0"/>
-          <a:ext cx="0" cy="0"/>
-          <a:chOff x="0" y="0"/>
-          <a:chExt cx="0" cy="0"/>
-        </a:xfrm>
-      </p:grpSpPr>
-      <p:sp>
-        <p:nvSpPr>
-          <p:cNvPr id="2" name="Title 1">
-            <a:extLst>
-              <a:ext uri="{FF2B5EF4-FFF2-40B4-BE49-F238E27FC236}">
-                <a16:creationId xmlns:a16="http://schemas.microsoft.com/office/drawing/2014/main" id="{A4C4C38E-87ED-4A57-9CFF-060B2BE83263}"/>
-              </a:ext>
-            </a:extLst>
-          </p:cNvPr>
-          <p:cNvSpPr>
-            <a:spLocks noGrp="1"/>
-          </p:cNvSpPr>
-          <p:nvPr>
-            <p:ph type="title"/>
-          </p:nvPr>
-        </p:nvSpPr>
-        <p:spPr/>
-        <p:txBody>
-          <a:bodyPr/>
-          <a:lstStyle/>
-          <a:p>
-            <a:r>
-              <a:rPr lang="ru-RU" dirty="0"/>
-              <a:t>А как работать с коллекциями?</a:t>
-            </a:r>
-            <a:endParaRPr lang="en-US" dirty="0"/>
-          </a:p>
-        </p:txBody>
-      </p:sp>
-      <p:sp>
-        <p:nvSpPr>
-          <p:cNvPr id="3" name="Content Placeholder 2">
-            <a:extLst>
-              <a:ext uri="{FF2B5EF4-FFF2-40B4-BE49-F238E27FC236}">
-                <a16:creationId xmlns:a16="http://schemas.microsoft.com/office/drawing/2014/main" id="{0A122633-0B1C-48F2-A6BE-BEE6EDB40CED}"/>
-              </a:ext>
-            </a:extLst>
-          </p:cNvPr>
-          <p:cNvSpPr>
-            <a:spLocks noGrp="1"/>
-          </p:cNvSpPr>
-          <p:nvPr>
-            <p:ph idx="1"/>
-          </p:nvPr>
-        </p:nvSpPr>
-        <p:spPr/>
-        <p:txBody>
-          <a:bodyPr/>
-          <a:lstStyle/>
-          <a:p>
-            <a:pPr marL="0" indent="0">
-              <a:buNone/>
-            </a:pPr>
-            <a:r>
-              <a:rPr lang="ru-RU" dirty="0"/>
-              <a:t>Также хочется отметить, что существуют </a:t>
-            </a:r>
-            <a:r>
-              <a:rPr lang="ru-RU" dirty="0" err="1"/>
-              <a:t>потокобезопасные</a:t>
-            </a:r>
-            <a:r>
-              <a:rPr lang="ru-RU" dirty="0"/>
-              <a:t> версии коллекций, прямо как в C#, лежат они в отдельном пакете </a:t>
-            </a:r>
-            <a:r>
-              <a:rPr lang="ru-RU" dirty="0" err="1"/>
-              <a:t>java.util.concurrent</a:t>
-            </a:r>
-            <a:endParaRPr lang="ru-RU" dirty="0"/>
-          </a:p>
-          <a:p>
-            <a:pPr marL="0" indent="0">
-              <a:buNone/>
-            </a:pPr>
-            <a:r>
-              <a:rPr lang="ru-RU" dirty="0"/>
-              <a:t>Остаётся лишь научится работать с коллекциями так же как мы это с вами делали на ООП</a:t>
-            </a:r>
-          </a:p>
-          <a:p>
-            <a:endParaRPr lang="en-US" dirty="0"/>
-          </a:p>
-        </p:txBody>
-      </p:sp>
-    </p:spTree>
-    <p:extLst>
-      <p:ext uri="{BB962C8B-B14F-4D97-AF65-F5344CB8AC3E}">
-        <p14:creationId xmlns:p14="http://schemas.microsoft.com/office/powerpoint/2010/main" val="173893599"/>
-      </p:ext>
-    </p:extLst>
-  </p:cSld>
-  <p:clrMapOvr>
-    <a:masterClrMapping/>
-  </p:clrMapOvr>
-</p:sld>
-</file>
-
 <file path=ppt/slides/slide34.xml><?xml version="1.0" encoding="utf-8"?>
 <p:sld xmlns:a="http://schemas.openxmlformats.org/drawingml/2006/main" xmlns:r="http://schemas.openxmlformats.org/officeDocument/2006/relationships" xmlns:p="http://schemas.openxmlformats.org/presentationml/2006/main">
   <p:cSld>
@@ -7035,7 +7014,7 @@
           <p:cNvPr id="2" name="Title 1">
             <a:extLst>
               <a:ext uri="{FF2B5EF4-FFF2-40B4-BE49-F238E27FC236}">
-                <a16:creationId xmlns:a16="http://schemas.microsoft.com/office/drawing/2014/main" id="{933DA937-DBCF-4F4C-BBA1-B4A2EA2849EF}"/>
+                <a16:creationId xmlns:a16="http://schemas.microsoft.com/office/drawing/2014/main" id="{7AC75150-BF0D-46DC-8E1D-549445CC5C9D}"/>
               </a:ext>
             </a:extLst>
           </p:cNvPr>
@@ -7052,25 +7031,10 @@
           <a:lstStyle/>
           <a:p>
             <a:r>
-              <a:rPr lang="en-US" dirty="0"/>
-              <a:t>Stream API (</a:t>
-            </a:r>
-            <a:r>
-              <a:rPr lang="ru-RU" dirty="0"/>
-              <a:t>или </a:t>
-            </a:r>
-            <a:r>
-              <a:rPr lang="en-US" dirty="0"/>
-              <a:t>LINQ </a:t>
-            </a:r>
-            <a:r>
-              <a:rPr lang="ru-RU" dirty="0"/>
-              <a:t>в </a:t>
-            </a:r>
-            <a:r>
-              <a:rPr lang="en-US" dirty="0"/>
-              <a:t>Java)</a:t>
-            </a:r>
+              <a:rPr lang="ru-RU" dirty="0"/>
+              <a:t>Другие имплементации коллекций</a:t>
+            </a:r>
+            <a:endParaRPr lang="en-US" dirty="0"/>
           </a:p>
         </p:txBody>
       </p:sp>
@@ -7079,7 +7043,7 @@
           <p:cNvPr id="3" name="Content Placeholder 2">
             <a:extLst>
               <a:ext uri="{FF2B5EF4-FFF2-40B4-BE49-F238E27FC236}">
-                <a16:creationId xmlns:a16="http://schemas.microsoft.com/office/drawing/2014/main" id="{310DFC3A-AA73-4D5A-8D17-85E8774CCA62}"/>
+                <a16:creationId xmlns:a16="http://schemas.microsoft.com/office/drawing/2014/main" id="{E21AC6A5-B99C-43E4-A84E-B9296DA82E08}"/>
               </a:ext>
             </a:extLst>
           </p:cNvPr>
@@ -7100,31 +7064,56 @@
             </a:pPr>
             <a:r>
               <a:rPr lang="ru-RU" dirty="0"/>
-              <a:t>Стримы и коллекции чем-то похожи друг на друга, но у них разное назначение. Коллекции обеспечивают эффективный доступ к одиночным объектам, а стримы, наоборот, для прямого доступа и обработки отдельных элементов не используются. Стримы предназначены для параллельных и последовательных агрегаций, выполняемых через цепочку методов, прямо как LINQ.</a:t>
-            </a:r>
-          </a:p>
-          <a:p>
-            <a:pPr marL="0" indent="0">
-              <a:buNone/>
-            </a:pPr>
-            <a:r>
-              <a:rPr lang="ru-RU" dirty="0"/>
-              <a:t>Для того чтобы начать строить свою цепочку преобразований, первым делом необходимо получить поток, для этого, над любой коллекцией достаточно вызвать метод </a:t>
+              <a:t>При необходимости, разработчик может создать собственную реализацию, расширив или переопределив существующую логику, либо создав свою собственную реализацию подходящего интерфейса с нуля. Также существует некоторое количество готовых решений, которые являются альтернативой или дополнением к Java </a:t>
+            </a:r>
+            <a:r>
+              <a:rPr lang="ru-RU" dirty="0" err="1"/>
+              <a:t>Collections</a:t>
+            </a:r>
+            <a:r>
+              <a:rPr lang="ru-RU" dirty="0"/>
+              <a:t> Framework. Наиболее популярными являются </a:t>
             </a:r>
             <a:r>
               <a:rPr lang="ru-RU" b="1" dirty="0"/>
-              <a:t>.</a:t>
+              <a:t>Google </a:t>
             </a:r>
             <a:r>
               <a:rPr lang="ru-RU" b="1" dirty="0" err="1"/>
-              <a:t>stream</a:t>
+              <a:t>Guava</a:t>
+            </a:r>
+            <a:r>
+              <a:rPr lang="ru-RU" dirty="0"/>
+              <a:t> и </a:t>
             </a:r>
             <a:r>
               <a:rPr lang="ru-RU" b="1" dirty="0"/>
-              <a:t>()</a:t>
-            </a:r>
-          </a:p>
-          <a:p>
+              <a:t>Apache </a:t>
+            </a:r>
+            <a:r>
+              <a:rPr lang="ru-RU" b="1" dirty="0" err="1"/>
+              <a:t>Commons</a:t>
+            </a:r>
+            <a:r>
+              <a:rPr lang="ru-RU" b="1" dirty="0"/>
+              <a:t> </a:t>
+            </a:r>
+            <a:r>
+              <a:rPr lang="ru-RU" b="1" dirty="0" err="1"/>
+              <a:t>Collections</a:t>
+            </a:r>
+            <a:r>
+              <a:rPr lang="ru-RU" dirty="0"/>
+              <a:t>. (Эти пакеты выступают как </a:t>
+            </a:r>
+            <a:r>
+              <a:rPr lang="ru-RU" b="1" dirty="0" err="1"/>
+              <a:t>boost</a:t>
+            </a:r>
+            <a:r>
+              <a:rPr lang="ru-RU" dirty="0"/>
+              <a:t> для С++)</a:t>
+            </a:r>
             <a:endParaRPr lang="en-US" dirty="0"/>
           </a:p>
         </p:txBody>
@@ -7132,7 +7121,7 @@
     </p:spTree>
     <p:extLst>
       <p:ext uri="{BB962C8B-B14F-4D97-AF65-F5344CB8AC3E}">
-        <p14:creationId xmlns:p14="http://schemas.microsoft.com/office/powerpoint/2010/main" val="1753056717"/>
+        <p14:creationId xmlns:p14="http://schemas.microsoft.com/office/powerpoint/2010/main" val="138646488"/>
       </p:ext>
     </p:extLst>
   </p:cSld>
@@ -7164,6 +7153,250 @@
           <p:cNvPr id="2" name="Title 1">
             <a:extLst>
               <a:ext uri="{FF2B5EF4-FFF2-40B4-BE49-F238E27FC236}">
+                <a16:creationId xmlns:a16="http://schemas.microsoft.com/office/drawing/2014/main" id="{A4C4C38E-87ED-4A57-9CFF-060B2BE83263}"/>
+              </a:ext>
+            </a:extLst>
+          </p:cNvPr>
+          <p:cNvSpPr>
+            <a:spLocks noGrp="1"/>
+          </p:cNvSpPr>
+          <p:nvPr>
+            <p:ph type="title"/>
+          </p:nvPr>
+        </p:nvSpPr>
+        <p:spPr/>
+        <p:txBody>
+          <a:bodyPr/>
+          <a:lstStyle/>
+          <a:p>
+            <a:r>
+              <a:rPr lang="ru-RU" dirty="0"/>
+              <a:t>А как работать с коллекциями?</a:t>
+            </a:r>
+            <a:endParaRPr lang="en-US" dirty="0"/>
+          </a:p>
+        </p:txBody>
+      </p:sp>
+      <p:sp>
+        <p:nvSpPr>
+          <p:cNvPr id="3" name="Content Placeholder 2">
+            <a:extLst>
+              <a:ext uri="{FF2B5EF4-FFF2-40B4-BE49-F238E27FC236}">
+                <a16:creationId xmlns:a16="http://schemas.microsoft.com/office/drawing/2014/main" id="{0A122633-0B1C-48F2-A6BE-BEE6EDB40CED}"/>
+              </a:ext>
+            </a:extLst>
+          </p:cNvPr>
+          <p:cNvSpPr>
+            <a:spLocks noGrp="1"/>
+          </p:cNvSpPr>
+          <p:nvPr>
+            <p:ph idx="1"/>
+          </p:nvPr>
+        </p:nvSpPr>
+        <p:spPr/>
+        <p:txBody>
+          <a:bodyPr/>
+          <a:lstStyle/>
+          <a:p>
+            <a:pPr marL="0" indent="0">
+              <a:buNone/>
+            </a:pPr>
+            <a:r>
+              <a:rPr lang="ru-RU" dirty="0"/>
+              <a:t>Также хочется отметить, что существуют </a:t>
+            </a:r>
+            <a:r>
+              <a:rPr lang="ru-RU" dirty="0" err="1"/>
+              <a:t>потокобезопасные</a:t>
+            </a:r>
+            <a:r>
+              <a:rPr lang="ru-RU" dirty="0"/>
+              <a:t> версии коллекций, прямо как в C#, лежат они в отдельном пакете </a:t>
+            </a:r>
+            <a:r>
+              <a:rPr lang="ru-RU" dirty="0" err="1"/>
+              <a:t>java.util.concurrent</a:t>
+            </a:r>
+            <a:endParaRPr lang="ru-RU" dirty="0"/>
+          </a:p>
+          <a:p>
+            <a:pPr marL="0" indent="0">
+              <a:buNone/>
+            </a:pPr>
+            <a:r>
+              <a:rPr lang="ru-RU" dirty="0"/>
+              <a:t>Остаётся лишь научится работать с коллекциями так же как мы это с вами делали на ООП</a:t>
+            </a:r>
+          </a:p>
+          <a:p>
+            <a:endParaRPr lang="en-US" dirty="0"/>
+          </a:p>
+        </p:txBody>
+      </p:sp>
+    </p:spTree>
+    <p:extLst>
+      <p:ext uri="{BB962C8B-B14F-4D97-AF65-F5344CB8AC3E}">
+        <p14:creationId xmlns:p14="http://schemas.microsoft.com/office/powerpoint/2010/main" val="173893599"/>
+      </p:ext>
+    </p:extLst>
+  </p:cSld>
+  <p:clrMapOvr>
+    <a:masterClrMapping/>
+  </p:clrMapOvr>
+</p:sld>
+</file>
+
+<file path=ppt/slides/slide36.xml><?xml version="1.0" encoding="utf-8"?>
+<p:sld xmlns:a="http://schemas.openxmlformats.org/drawingml/2006/main" xmlns:r="http://schemas.openxmlformats.org/officeDocument/2006/relationships" xmlns:p="http://schemas.openxmlformats.org/presentationml/2006/main">
+  <p:cSld>
+    <p:spTree>
+      <p:nvGrpSpPr>
+        <p:cNvPr id="1" name=""/>
+        <p:cNvGrpSpPr/>
+        <p:nvPr/>
+      </p:nvGrpSpPr>
+      <p:grpSpPr>
+        <a:xfrm>
+          <a:off x="0" y="0"/>
+          <a:ext cx="0" cy="0"/>
+          <a:chOff x="0" y="0"/>
+          <a:chExt cx="0" cy="0"/>
+        </a:xfrm>
+      </p:grpSpPr>
+      <p:sp>
+        <p:nvSpPr>
+          <p:cNvPr id="2" name="Title 1">
+            <a:extLst>
+              <a:ext uri="{FF2B5EF4-FFF2-40B4-BE49-F238E27FC236}">
+                <a16:creationId xmlns:a16="http://schemas.microsoft.com/office/drawing/2014/main" id="{933DA937-DBCF-4F4C-BBA1-B4A2EA2849EF}"/>
+              </a:ext>
+            </a:extLst>
+          </p:cNvPr>
+          <p:cNvSpPr>
+            <a:spLocks noGrp="1"/>
+          </p:cNvSpPr>
+          <p:nvPr>
+            <p:ph type="title"/>
+          </p:nvPr>
+        </p:nvSpPr>
+        <p:spPr/>
+        <p:txBody>
+          <a:bodyPr/>
+          <a:lstStyle/>
+          <a:p>
+            <a:r>
+              <a:rPr lang="en-US" dirty="0"/>
+              <a:t>Stream API (</a:t>
+            </a:r>
+            <a:r>
+              <a:rPr lang="ru-RU" dirty="0"/>
+              <a:t>или </a:t>
+            </a:r>
+            <a:r>
+              <a:rPr lang="en-US" dirty="0"/>
+              <a:t>LINQ </a:t>
+            </a:r>
+            <a:r>
+              <a:rPr lang="ru-RU" dirty="0"/>
+              <a:t>в </a:t>
+            </a:r>
+            <a:r>
+              <a:rPr lang="en-US" dirty="0"/>
+              <a:t>Java)</a:t>
+            </a:r>
+          </a:p>
+        </p:txBody>
+      </p:sp>
+      <p:sp>
+        <p:nvSpPr>
+          <p:cNvPr id="3" name="Content Placeholder 2">
+            <a:extLst>
+              <a:ext uri="{FF2B5EF4-FFF2-40B4-BE49-F238E27FC236}">
+                <a16:creationId xmlns:a16="http://schemas.microsoft.com/office/drawing/2014/main" id="{310DFC3A-AA73-4D5A-8D17-85E8774CCA62}"/>
+              </a:ext>
+            </a:extLst>
+          </p:cNvPr>
+          <p:cNvSpPr>
+            <a:spLocks noGrp="1"/>
+          </p:cNvSpPr>
+          <p:nvPr>
+            <p:ph idx="1"/>
+          </p:nvPr>
+        </p:nvSpPr>
+        <p:spPr/>
+        <p:txBody>
+          <a:bodyPr/>
+          <a:lstStyle/>
+          <a:p>
+            <a:pPr marL="0" indent="0">
+              <a:buNone/>
+            </a:pPr>
+            <a:r>
+              <a:rPr lang="ru-RU" dirty="0"/>
+              <a:t>Стримы и коллекции чем-то похожи друг на друга, но у них разное назначение. Коллекции обеспечивают эффективный доступ к одиночным объектам, а стримы, наоборот, для прямого доступа и обработки отдельных элементов не используются. Стримы предназначены для параллельных и последовательных агрегаций, выполняемых через цепочку методов, прямо как LINQ.</a:t>
+            </a:r>
+          </a:p>
+          <a:p>
+            <a:pPr marL="0" indent="0">
+              <a:buNone/>
+            </a:pPr>
+            <a:r>
+              <a:rPr lang="ru-RU" dirty="0"/>
+              <a:t>Для того чтобы начать строить свою цепочку преобразований, первым делом необходимо получить поток, для этого, над любой коллекцией достаточно вызвать метод </a:t>
+            </a:r>
+            <a:r>
+              <a:rPr lang="ru-RU" b="1" dirty="0"/>
+              <a:t>.</a:t>
+            </a:r>
+            <a:r>
+              <a:rPr lang="ru-RU" b="1" dirty="0" err="1"/>
+              <a:t>stream</a:t>
+            </a:r>
+            <a:r>
+              <a:rPr lang="ru-RU" b="1" dirty="0"/>
+              <a:t>()</a:t>
+            </a:r>
+          </a:p>
+          <a:p>
+            <a:endParaRPr lang="en-US" dirty="0"/>
+          </a:p>
+        </p:txBody>
+      </p:sp>
+    </p:spTree>
+    <p:extLst>
+      <p:ext uri="{BB962C8B-B14F-4D97-AF65-F5344CB8AC3E}">
+        <p14:creationId xmlns:p14="http://schemas.microsoft.com/office/powerpoint/2010/main" val="1753056717"/>
+      </p:ext>
+    </p:extLst>
+  </p:cSld>
+  <p:clrMapOvr>
+    <a:masterClrMapping/>
+  </p:clrMapOvr>
+</p:sld>
+</file>
+
+<file path=ppt/slides/slide37.xml><?xml version="1.0" encoding="utf-8"?>
+<p:sld xmlns:a="http://schemas.openxmlformats.org/drawingml/2006/main" xmlns:r="http://schemas.openxmlformats.org/officeDocument/2006/relationships" xmlns:p="http://schemas.openxmlformats.org/presentationml/2006/main">
+  <p:cSld>
+    <p:spTree>
+      <p:nvGrpSpPr>
+        <p:cNvPr id="1" name=""/>
+        <p:cNvGrpSpPr/>
+        <p:nvPr/>
+      </p:nvGrpSpPr>
+      <p:grpSpPr>
+        <a:xfrm>
+          <a:off x="0" y="0"/>
+          <a:ext cx="0" cy="0"/>
+          <a:chOff x="0" y="0"/>
+          <a:chExt cx="0" cy="0"/>
+        </a:xfrm>
+      </p:grpSpPr>
+      <p:sp>
+        <p:nvSpPr>
+          <p:cNvPr id="2" name="Title 1">
+            <a:extLst>
+              <a:ext uri="{FF2B5EF4-FFF2-40B4-BE49-F238E27FC236}">
                 <a16:creationId xmlns:a16="http://schemas.microsoft.com/office/drawing/2014/main" id="{2D309207-294D-4891-B104-E6D27EEC47A9}"/>
               </a:ext>
             </a:extLst>
@@ -7268,7 +7501,7 @@
 </p:sld>
 </file>
 
-<file path=ppt/slides/slide36.xml><?xml version="1.0" encoding="utf-8"?>
+<file path=ppt/slides/slide38.xml><?xml version="1.0" encoding="utf-8"?>
 <p:sld xmlns:a="http://schemas.openxmlformats.org/drawingml/2006/main" xmlns:r="http://schemas.openxmlformats.org/officeDocument/2006/relationships" xmlns:p="http://schemas.openxmlformats.org/presentationml/2006/main">
   <p:cSld>
     <p:spTree>
@@ -7466,7 +7699,7 @@
 </p:sld>
 </file>
 
-<file path=ppt/slides/slide37.xml><?xml version="1.0" encoding="utf-8"?>
+<file path=ppt/slides/slide39.xml><?xml version="1.0" encoding="utf-8"?>
 <p:sld xmlns:a="http://schemas.openxmlformats.org/drawingml/2006/main" xmlns:r="http://schemas.openxmlformats.org/officeDocument/2006/relationships" xmlns:p="http://schemas.openxmlformats.org/presentationml/2006/main">
   <p:cSld>
     <p:spTree>
@@ -7584,7 +7817,7 @@
 </p:sld>
 </file>
 
-<file path=ppt/slides/slide38.xml><?xml version="1.0" encoding="utf-8"?>
+<file path=ppt/slides/slide4.xml><?xml version="1.0" encoding="utf-8"?>
 <p:sld xmlns:a="http://schemas.openxmlformats.org/drawingml/2006/main" xmlns:r="http://schemas.openxmlformats.org/officeDocument/2006/relationships" xmlns:p="http://schemas.openxmlformats.org/presentationml/2006/main">
   <p:cSld>
     <p:spTree>
@@ -7606,6 +7839,119 @@
           <p:cNvPr id="2" name="Title 1">
             <a:extLst>
               <a:ext uri="{FF2B5EF4-FFF2-40B4-BE49-F238E27FC236}">
+                <a16:creationId xmlns:a16="http://schemas.microsoft.com/office/drawing/2014/main" id="{1EDC6628-308C-4A89-AF6A-556C99F1147C}"/>
+              </a:ext>
+            </a:extLst>
+          </p:cNvPr>
+          <p:cNvSpPr>
+            <a:spLocks noGrp="1"/>
+          </p:cNvSpPr>
+          <p:nvPr>
+            <p:ph type="title"/>
+          </p:nvPr>
+        </p:nvSpPr>
+        <p:spPr/>
+        <p:txBody>
+          <a:bodyPr/>
+          <a:lstStyle/>
+          <a:p>
+            <a:r>
+              <a:rPr lang="ru-RU" b="1" i="0" dirty="0">
+                <a:solidFill>
+                  <a:srgbClr val="212529"/>
+                </a:solidFill>
+                <a:effectLst/>
+                <a:latin typeface="Onest"/>
+              </a:rPr>
+              <a:t>Реализация </a:t>
+            </a:r>
+            <a:r>
+              <a:rPr lang="en-US" b="1" i="0" dirty="0">
+                <a:solidFill>
+                  <a:srgbClr val="212529"/>
+                </a:solidFill>
+                <a:effectLst/>
+                <a:latin typeface="Onest"/>
+              </a:rPr>
+              <a:t>JVM</a:t>
+            </a:r>
+            <a:endParaRPr lang="en-US" dirty="0"/>
+          </a:p>
+        </p:txBody>
+      </p:sp>
+      <p:sp>
+        <p:nvSpPr>
+          <p:cNvPr id="3" name="Content Placeholder 2">
+            <a:extLst>
+              <a:ext uri="{FF2B5EF4-FFF2-40B4-BE49-F238E27FC236}">
+                <a16:creationId xmlns:a16="http://schemas.microsoft.com/office/drawing/2014/main" id="{8FA6B2AA-659D-4600-9657-B24845D2937E}"/>
+              </a:ext>
+            </a:extLst>
+          </p:cNvPr>
+          <p:cNvSpPr>
+            <a:spLocks noGrp="1"/>
+          </p:cNvSpPr>
+          <p:nvPr>
+            <p:ph idx="1"/>
+          </p:nvPr>
+        </p:nvSpPr>
+        <p:spPr/>
+        <p:txBody>
+          <a:bodyPr/>
+          <a:lstStyle/>
+          <a:p>
+            <a:pPr marL="0" indent="0">
+              <a:buNone/>
+            </a:pPr>
+            <a:r>
+              <a:rPr lang="ru-RU" b="0" i="0" dirty="0">
+                <a:solidFill>
+                  <a:srgbClr val="212529"/>
+                </a:solidFill>
+                <a:effectLst/>
+                <a:latin typeface="Onest"/>
+              </a:rPr>
+              <a:t>Реализация спецификации JVM приводит к созданию реальной программы, которая и является реализацией JVM. По сути, существует огромное количество реализаций спецификации JVM — как коммерческих, так и с открытым кодом.</a:t>
+            </a:r>
+            <a:endParaRPr lang="en-US" dirty="0"/>
+          </a:p>
+        </p:txBody>
+      </p:sp>
+    </p:spTree>
+    <p:extLst>
+      <p:ext uri="{BB962C8B-B14F-4D97-AF65-F5344CB8AC3E}">
+        <p14:creationId xmlns:p14="http://schemas.microsoft.com/office/powerpoint/2010/main" val="1284368186"/>
+      </p:ext>
+    </p:extLst>
+  </p:cSld>
+  <p:clrMapOvr>
+    <a:masterClrMapping/>
+  </p:clrMapOvr>
+</p:sld>
+</file>
+
+<file path=ppt/slides/slide40.xml><?xml version="1.0" encoding="utf-8"?>
+<p:sld xmlns:a="http://schemas.openxmlformats.org/drawingml/2006/main" xmlns:r="http://schemas.openxmlformats.org/officeDocument/2006/relationships" xmlns:p="http://schemas.openxmlformats.org/presentationml/2006/main">
+  <p:cSld>
+    <p:spTree>
+      <p:nvGrpSpPr>
+        <p:cNvPr id="1" name=""/>
+        <p:cNvGrpSpPr/>
+        <p:nvPr/>
+      </p:nvGrpSpPr>
+      <p:grpSpPr>
+        <a:xfrm>
+          <a:off x="0" y="0"/>
+          <a:ext cx="0" cy="0"/>
+          <a:chOff x="0" y="0"/>
+          <a:chExt cx="0" cy="0"/>
+        </a:xfrm>
+      </p:grpSpPr>
+      <p:sp>
+        <p:nvSpPr>
+          <p:cNvPr id="2" name="Title 1">
+            <a:extLst>
+              <a:ext uri="{FF2B5EF4-FFF2-40B4-BE49-F238E27FC236}">
                 <a16:creationId xmlns:a16="http://schemas.microsoft.com/office/drawing/2014/main" id="{4BB1272A-8A5B-45E9-B2C4-BC9D65EA42B3}"/>
               </a:ext>
             </a:extLst>
@@ -8114,7 +8460,7 @@
 </p:sld>
 </file>
 
-<file path=ppt/slides/slide39.xml><?xml version="1.0" encoding="utf-8"?>
+<file path=ppt/slides/slide41.xml><?xml version="1.0" encoding="utf-8"?>
 <p:sld xmlns:a="http://schemas.openxmlformats.org/drawingml/2006/main" xmlns:r="http://schemas.openxmlformats.org/officeDocument/2006/relationships" xmlns:p="http://schemas.openxmlformats.org/presentationml/2006/main">
   <p:cSld>
     <p:spTree>
@@ -9512,120 +9858,7 @@
 </p:sld>
 </file>
 
-<file path=ppt/slides/slide4.xml><?xml version="1.0" encoding="utf-8"?>
-<p:sld xmlns:a="http://schemas.openxmlformats.org/drawingml/2006/main" xmlns:r="http://schemas.openxmlformats.org/officeDocument/2006/relationships" xmlns:p="http://schemas.openxmlformats.org/presentationml/2006/main">
-  <p:cSld>
-    <p:spTree>
-      <p:nvGrpSpPr>
-        <p:cNvPr id="1" name=""/>
-        <p:cNvGrpSpPr/>
-        <p:nvPr/>
-      </p:nvGrpSpPr>
-      <p:grpSpPr>
-        <a:xfrm>
-          <a:off x="0" y="0"/>
-          <a:ext cx="0" cy="0"/>
-          <a:chOff x="0" y="0"/>
-          <a:chExt cx="0" cy="0"/>
-        </a:xfrm>
-      </p:grpSpPr>
-      <p:sp>
-        <p:nvSpPr>
-          <p:cNvPr id="2" name="Title 1">
-            <a:extLst>
-              <a:ext uri="{FF2B5EF4-FFF2-40B4-BE49-F238E27FC236}">
-                <a16:creationId xmlns:a16="http://schemas.microsoft.com/office/drawing/2014/main" id="{1EDC6628-308C-4A89-AF6A-556C99F1147C}"/>
-              </a:ext>
-            </a:extLst>
-          </p:cNvPr>
-          <p:cNvSpPr>
-            <a:spLocks noGrp="1"/>
-          </p:cNvSpPr>
-          <p:nvPr>
-            <p:ph type="title"/>
-          </p:nvPr>
-        </p:nvSpPr>
-        <p:spPr/>
-        <p:txBody>
-          <a:bodyPr/>
-          <a:lstStyle/>
-          <a:p>
-            <a:r>
-              <a:rPr lang="ru-RU" b="1" i="0" dirty="0">
-                <a:solidFill>
-                  <a:srgbClr val="212529"/>
-                </a:solidFill>
-                <a:effectLst/>
-                <a:latin typeface="Onest"/>
-              </a:rPr>
-              <a:t>Реализация </a:t>
-            </a:r>
-            <a:r>
-              <a:rPr lang="en-US" b="1" i="0" dirty="0">
-                <a:solidFill>
-                  <a:srgbClr val="212529"/>
-                </a:solidFill>
-                <a:effectLst/>
-                <a:latin typeface="Onest"/>
-              </a:rPr>
-              <a:t>JVM</a:t>
-            </a:r>
-            <a:endParaRPr lang="en-US" dirty="0"/>
-          </a:p>
-        </p:txBody>
-      </p:sp>
-      <p:sp>
-        <p:nvSpPr>
-          <p:cNvPr id="3" name="Content Placeholder 2">
-            <a:extLst>
-              <a:ext uri="{FF2B5EF4-FFF2-40B4-BE49-F238E27FC236}">
-                <a16:creationId xmlns:a16="http://schemas.microsoft.com/office/drawing/2014/main" id="{8FA6B2AA-659D-4600-9657-B24845D2937E}"/>
-              </a:ext>
-            </a:extLst>
-          </p:cNvPr>
-          <p:cNvSpPr>
-            <a:spLocks noGrp="1"/>
-          </p:cNvSpPr>
-          <p:nvPr>
-            <p:ph idx="1"/>
-          </p:nvPr>
-        </p:nvSpPr>
-        <p:spPr/>
-        <p:txBody>
-          <a:bodyPr/>
-          <a:lstStyle/>
-          <a:p>
-            <a:pPr marL="0" indent="0">
-              <a:buNone/>
-            </a:pPr>
-            <a:r>
-              <a:rPr lang="ru-RU" b="0" i="0" dirty="0">
-                <a:solidFill>
-                  <a:srgbClr val="212529"/>
-                </a:solidFill>
-                <a:effectLst/>
-                <a:latin typeface="Onest"/>
-              </a:rPr>
-              <a:t>Реализация спецификации JVM приводит к созданию реальной программы, которая и является реализацией JVM. По сути, существует огромное количество реализаций спецификации JVM — как коммерческих, так и с открытым кодом.</a:t>
-            </a:r>
-            <a:endParaRPr lang="en-US" dirty="0"/>
-          </a:p>
-        </p:txBody>
-      </p:sp>
-    </p:spTree>
-    <p:extLst>
-      <p:ext uri="{BB962C8B-B14F-4D97-AF65-F5344CB8AC3E}">
-        <p14:creationId xmlns:p14="http://schemas.microsoft.com/office/powerpoint/2010/main" val="1284368186"/>
-      </p:ext>
-    </p:extLst>
-  </p:cSld>
-  <p:clrMapOvr>
-    <a:masterClrMapping/>
-  </p:clrMapOvr>
-</p:sld>
-</file>
-
-<file path=ppt/slides/slide40.xml><?xml version="1.0" encoding="utf-8"?>
+<file path=ppt/slides/slide42.xml><?xml version="1.0" encoding="utf-8"?>
 <p:sld xmlns:a="http://schemas.openxmlformats.org/drawingml/2006/main" xmlns:r="http://schemas.openxmlformats.org/officeDocument/2006/relationships" xmlns:p="http://schemas.openxmlformats.org/presentationml/2006/main">
   <p:cSld>
     <p:spTree>
@@ -10060,6 +10293,66 @@
           <a:chExt cx="0" cy="0"/>
         </a:xfrm>
       </p:grpSpPr>
+      <p:pic>
+        <p:nvPicPr>
+          <p:cNvPr id="5" name="Рисунок 4">
+            <a:extLst>
+              <a:ext uri="{FF2B5EF4-FFF2-40B4-BE49-F238E27FC236}">
+                <a16:creationId xmlns:a16="http://schemas.microsoft.com/office/drawing/2014/main" id="{65361BCF-1AF4-D0D3-E16B-A83E77435ACA}"/>
+              </a:ext>
+            </a:extLst>
+          </p:cNvPr>
+          <p:cNvPicPr>
+            <a:picLocks noChangeAspect="1"/>
+          </p:cNvPicPr>
+          <p:nvPr/>
+        </p:nvPicPr>
+        <p:blipFill>
+          <a:blip r:embed="rId2"/>
+          <a:stretch>
+            <a:fillRect/>
+          </a:stretch>
+        </p:blipFill>
+        <p:spPr>
+          <a:xfrm>
+            <a:off x="1642027" y="0"/>
+            <a:ext cx="8907946" cy="6858000"/>
+          </a:xfrm>
+          <a:prstGeom prst="rect">
+            <a:avLst/>
+          </a:prstGeom>
+        </p:spPr>
+      </p:pic>
+    </p:spTree>
+    <p:extLst>
+      <p:ext uri="{BB962C8B-B14F-4D97-AF65-F5344CB8AC3E}">
+        <p14:creationId xmlns:p14="http://schemas.microsoft.com/office/powerpoint/2010/main" val="3842267227"/>
+      </p:ext>
+    </p:extLst>
+  </p:cSld>
+  <p:clrMapOvr>
+    <a:masterClrMapping/>
+  </p:clrMapOvr>
+</p:sld>
+</file>
+
+<file path=ppt/slides/slide9.xml><?xml version="1.0" encoding="utf-8"?>
+<p:sld xmlns:a="http://schemas.openxmlformats.org/drawingml/2006/main" xmlns:r="http://schemas.openxmlformats.org/officeDocument/2006/relationships" xmlns:p="http://schemas.openxmlformats.org/presentationml/2006/main">
+  <p:cSld>
+    <p:spTree>
+      <p:nvGrpSpPr>
+        <p:cNvPr id="1" name=""/>
+        <p:cNvGrpSpPr/>
+        <p:nvPr/>
+      </p:nvGrpSpPr>
+      <p:grpSpPr>
+        <a:xfrm>
+          <a:off x="0" y="0"/>
+          <a:ext cx="0" cy="0"/>
+          <a:chOff x="0" y="0"/>
+          <a:chExt cx="0" cy="0"/>
+        </a:xfrm>
+      </p:grpSpPr>
       <p:sp>
         <p:nvSpPr>
           <p:cNvPr id="2" name="Title 1">
@@ -10209,8 +10502,19 @@
                 </a:solidFill>
                 <a:effectLst/>
                 <a:latin typeface="proxima"/>
+                <a:hlinkClick r:id="rId2"/>
               </a:rPr>
-              <a:t>Java EE (Java Platform Enterprise Edition)</a:t>
+              <a:t>Java EE</a:t>
+            </a:r>
+            <a:r>
+              <a:rPr lang="en-US" b="1" i="0" dirty="0">
+                <a:solidFill>
+                  <a:srgbClr val="2F3748"/>
+                </a:solidFill>
+                <a:effectLst/>
+                <a:latin typeface="proxima"/>
+              </a:rPr>
+              <a:t> (Java Platform Enterprise Edition)</a:t>
             </a:r>
             <a:r>
               <a:rPr lang="en-US" b="0" i="0" dirty="0">
@@ -10289,8 +10593,19 @@
                 </a:solidFill>
                 <a:effectLst/>
                 <a:latin typeface="proxima"/>
+                <a:hlinkClick r:id="rId3"/>
               </a:rPr>
-              <a:t>Java ME (Java Platform Micro Edition)</a:t>
+              <a:t>Java ME </a:t>
+            </a:r>
+            <a:r>
+              <a:rPr lang="en-US" b="1" i="0" dirty="0">
+                <a:solidFill>
+                  <a:srgbClr val="2F3748"/>
+                </a:solidFill>
+                <a:effectLst/>
+                <a:latin typeface="proxima"/>
+              </a:rPr>
+              <a:t>(Java Platform Micro Edition)</a:t>
             </a:r>
             <a:r>
               <a:rPr lang="en-US" b="0" i="0" dirty="0">
@@ -10413,7 +10728,7 @@
           <p:nvPr/>
         </p:nvPicPr>
         <p:blipFill>
-          <a:blip r:embed="rId2">
+          <a:blip r:embed="rId4">
             <a:extLst>
               <a:ext uri="{28A0092B-C50C-407E-A947-70E740481C1C}">
                 <a14:useLocalDpi xmlns:a14="http://schemas.microsoft.com/office/drawing/2010/main" val="0"/>
@@ -10449,66 +10764,6 @@
     <p:extLst>
       <p:ext uri="{BB962C8B-B14F-4D97-AF65-F5344CB8AC3E}">
         <p14:creationId xmlns:p14="http://schemas.microsoft.com/office/powerpoint/2010/main" val="929971818"/>
-      </p:ext>
-    </p:extLst>
-  </p:cSld>
-  <p:clrMapOvr>
-    <a:masterClrMapping/>
-  </p:clrMapOvr>
-</p:sld>
-</file>
-
-<file path=ppt/slides/slide9.xml><?xml version="1.0" encoding="utf-8"?>
-<p:sld xmlns:a="http://schemas.openxmlformats.org/drawingml/2006/main" xmlns:r="http://schemas.openxmlformats.org/officeDocument/2006/relationships" xmlns:p="http://schemas.openxmlformats.org/presentationml/2006/main">
-  <p:cSld>
-    <p:spTree>
-      <p:nvGrpSpPr>
-        <p:cNvPr id="1" name=""/>
-        <p:cNvGrpSpPr/>
-        <p:nvPr/>
-      </p:nvGrpSpPr>
-      <p:grpSpPr>
-        <a:xfrm>
-          <a:off x="0" y="0"/>
-          <a:ext cx="0" cy="0"/>
-          <a:chOff x="0" y="0"/>
-          <a:chExt cx="0" cy="0"/>
-        </a:xfrm>
-      </p:grpSpPr>
-      <p:pic>
-        <p:nvPicPr>
-          <p:cNvPr id="5" name="Picture 4">
-            <a:extLst>
-              <a:ext uri="{FF2B5EF4-FFF2-40B4-BE49-F238E27FC236}">
-                <a16:creationId xmlns:a16="http://schemas.microsoft.com/office/drawing/2014/main" id="{73FF55C7-2F5B-4472-86FC-E1D926B79680}"/>
-              </a:ext>
-            </a:extLst>
-          </p:cNvPr>
-          <p:cNvPicPr>
-            <a:picLocks noChangeAspect="1"/>
-          </p:cNvPicPr>
-          <p:nvPr/>
-        </p:nvPicPr>
-        <p:blipFill>
-          <a:blip r:embed="rId2"/>
-          <a:stretch>
-            <a:fillRect/>
-          </a:stretch>
-        </p:blipFill>
-        <p:spPr>
-          <a:xfrm>
-            <a:off x="1156447" y="0"/>
-            <a:ext cx="9879106" cy="6858000"/>
-          </a:xfrm>
-          <a:prstGeom prst="rect">
-            <a:avLst/>
-          </a:prstGeom>
-        </p:spPr>
-      </p:pic>
-    </p:spTree>
-    <p:extLst>
-      <p:ext uri="{BB962C8B-B14F-4D97-AF65-F5344CB8AC3E}">
-        <p14:creationId xmlns:p14="http://schemas.microsoft.com/office/powerpoint/2010/main" val="411759202"/>
       </p:ext>
     </p:extLst>
   </p:cSld>
